--- a/110 매뉴얼/190609 NAVIO 2 드론 제작 V1.1 (1).pptx
+++ b/110 매뉴얼/190609 NAVIO 2 드론 제작 V1.1 (1).pptx
@@ -5,7 +5,7 @@
     <p:sldMasterId id="2147483660" r:id="rId1"/>
   </p:sldMasterIdLst>
   <p:notesMasterIdLst>
-    <p:notesMasterId r:id="rId26"/>
+    <p:notesMasterId r:id="rId28"/>
   </p:notesMasterIdLst>
   <p:sldIdLst>
     <p:sldId id="256" r:id="rId2"/>
@@ -14,24 +14,26 @@
     <p:sldId id="266" r:id="rId5"/>
     <p:sldId id="267" r:id="rId6"/>
     <p:sldId id="282" r:id="rId7"/>
-    <p:sldId id="269" r:id="rId8"/>
-    <p:sldId id="270" r:id="rId9"/>
-    <p:sldId id="273" r:id="rId10"/>
-    <p:sldId id="274" r:id="rId11"/>
-    <p:sldId id="275" r:id="rId12"/>
-    <p:sldId id="276" r:id="rId13"/>
-    <p:sldId id="278" r:id="rId14"/>
-    <p:sldId id="279" r:id="rId15"/>
-    <p:sldId id="280" r:id="rId16"/>
-    <p:sldId id="281" r:id="rId17"/>
-    <p:sldId id="283" r:id="rId18"/>
-    <p:sldId id="284" r:id="rId19"/>
-    <p:sldId id="277" r:id="rId20"/>
-    <p:sldId id="268" r:id="rId21"/>
-    <p:sldId id="261" r:id="rId22"/>
-    <p:sldId id="262" r:id="rId23"/>
-    <p:sldId id="265" r:id="rId24"/>
-    <p:sldId id="259" r:id="rId25"/>
+    <p:sldId id="286" r:id="rId8"/>
+    <p:sldId id="269" r:id="rId9"/>
+    <p:sldId id="270" r:id="rId10"/>
+    <p:sldId id="273" r:id="rId11"/>
+    <p:sldId id="274" r:id="rId12"/>
+    <p:sldId id="275" r:id="rId13"/>
+    <p:sldId id="276" r:id="rId14"/>
+    <p:sldId id="278" r:id="rId15"/>
+    <p:sldId id="279" r:id="rId16"/>
+    <p:sldId id="280" r:id="rId17"/>
+    <p:sldId id="281" r:id="rId18"/>
+    <p:sldId id="283" r:id="rId19"/>
+    <p:sldId id="284" r:id="rId20"/>
+    <p:sldId id="285" r:id="rId21"/>
+    <p:sldId id="277" r:id="rId22"/>
+    <p:sldId id="268" r:id="rId23"/>
+    <p:sldId id="261" r:id="rId24"/>
+    <p:sldId id="262" r:id="rId25"/>
+    <p:sldId id="265" r:id="rId26"/>
+    <p:sldId id="259" r:id="rId27"/>
   </p:sldIdLst>
   <p:sldSz cx="9906000" cy="6858000" type="A4"/>
   <p:notesSz cx="6858000" cy="9144000"/>
@@ -7986,7 +7988,7 @@
           <a:p>
             <a:fld id="{60456C2F-1F67-44A5-80B0-9C3A6CA33C82}" type="datetimeFigureOut">
               <a:rPr lang="en-US" smtClean="0"/>
-              <a:t>6/9/2019</a:t>
+              <a:t>6/10/2019</a:t>
             </a:fld>
             <a:endParaRPr lang="en-US"/>
           </a:p>
@@ -8259,7 +8261,7 @@
   <p:cSld>
     <p:spTree>
       <p:nvGrpSpPr>
-        <p:cNvPr id="1" name="Shape 106"/>
+        <p:cNvPr id="1" name="Shape 150"/>
         <p:cNvGrpSpPr/>
         <p:nvPr/>
       </p:nvGrpSpPr>
@@ -8273,7 +8275,7 @@
       </p:grpSpPr>
       <p:sp>
         <p:nvSpPr>
-          <p:cNvPr id="107" name="Google Shape;107;p5:notes"/>
+          <p:cNvPr id="151" name="Google Shape;151;p9:notes"/>
           <p:cNvSpPr txBox="1">
             <a:spLocks noGrp="1"/>
           </p:cNvSpPr>
@@ -8311,7 +8313,7 @@
       </p:sp>
       <p:sp>
         <p:nvSpPr>
-          <p:cNvPr id="108" name="Google Shape;108;p5:notes"/>
+          <p:cNvPr id="152" name="Google Shape;152;p9:notes"/>
           <p:cNvSpPr>
             <a:spLocks noGrp="1" noRot="1" noChangeAspect="1"/>
           </p:cNvSpPr>
@@ -8353,7 +8355,7 @@
     </p:spTree>
     <p:extLst>
       <p:ext uri="{BB962C8B-B14F-4D97-AF65-F5344CB8AC3E}">
-        <p14:creationId xmlns:p14="http://schemas.microsoft.com/office/powerpoint/2010/main" val="4289310763"/>
+        <p14:creationId xmlns:p14="http://schemas.microsoft.com/office/powerpoint/2010/main" val="129985726"/>
       </p:ext>
     </p:extLst>
   </p:cSld>
@@ -8368,7 +8370,7 @@
   <p:cSld>
     <p:spTree>
       <p:nvGrpSpPr>
-        <p:cNvPr id="1" name="Shape 117"/>
+        <p:cNvPr id="1" name="Shape 106"/>
         <p:cNvGrpSpPr/>
         <p:nvPr/>
       </p:nvGrpSpPr>
@@ -8382,7 +8384,7 @@
       </p:grpSpPr>
       <p:sp>
         <p:nvSpPr>
-          <p:cNvPr id="118" name="Google Shape;118;p6:notes"/>
+          <p:cNvPr id="107" name="Google Shape;107;p5:notes"/>
           <p:cNvSpPr txBox="1">
             <a:spLocks noGrp="1"/>
           </p:cNvSpPr>
@@ -8420,7 +8422,7 @@
       </p:sp>
       <p:sp>
         <p:nvSpPr>
-          <p:cNvPr id="119" name="Google Shape;119;p6:notes"/>
+          <p:cNvPr id="108" name="Google Shape;108;p5:notes"/>
           <p:cNvSpPr>
             <a:spLocks noGrp="1" noRot="1" noChangeAspect="1"/>
           </p:cNvSpPr>
@@ -8462,6 +8464,115 @@
     </p:spTree>
     <p:extLst>
       <p:ext uri="{BB962C8B-B14F-4D97-AF65-F5344CB8AC3E}">
+        <p14:creationId xmlns:p14="http://schemas.microsoft.com/office/powerpoint/2010/main" val="4289310763"/>
+      </p:ext>
+    </p:extLst>
+  </p:cSld>
+  <p:clrMapOvr>
+    <a:masterClrMapping/>
+  </p:clrMapOvr>
+</p:notes>
+</file>
+
+<file path=ppt/notesSlides/notesSlide3.xml><?xml version="1.0" encoding="utf-8"?>
+<p:notes xmlns:a="http://schemas.openxmlformats.org/drawingml/2006/main" xmlns:r="http://schemas.openxmlformats.org/officeDocument/2006/relationships" xmlns:p="http://schemas.openxmlformats.org/presentationml/2006/main" showMasterSp="0" showMasterPhAnim="0">
+  <p:cSld>
+    <p:spTree>
+      <p:nvGrpSpPr>
+        <p:cNvPr id="1" name="Shape 117"/>
+        <p:cNvGrpSpPr/>
+        <p:nvPr/>
+      </p:nvGrpSpPr>
+      <p:grpSpPr>
+        <a:xfrm>
+          <a:off x="0" y="0"/>
+          <a:ext cx="0" cy="0"/>
+          <a:chOff x="0" y="0"/>
+          <a:chExt cx="0" cy="0"/>
+        </a:xfrm>
+      </p:grpSpPr>
+      <p:sp>
+        <p:nvSpPr>
+          <p:cNvPr id="118" name="Google Shape;118;p6:notes"/>
+          <p:cNvSpPr txBox="1">
+            <a:spLocks noGrp="1"/>
+          </p:cNvSpPr>
+          <p:nvPr>
+            <p:ph type="body" idx="1"/>
+          </p:nvPr>
+        </p:nvSpPr>
+        <p:spPr>
+          <a:xfrm>
+            <a:off x="685800" y="4400549"/>
+            <a:ext cx="5486400" cy="3600451"/>
+          </a:xfrm>
+          <a:prstGeom prst="rect">
+            <a:avLst/>
+          </a:prstGeom>
+        </p:spPr>
+        <p:txBody>
+          <a:bodyPr spcFirstLastPara="1" wrap="square" lIns="91425" tIns="45700" rIns="91425" bIns="45700" anchor="t" anchorCtr="0">
+            <a:noAutofit/>
+          </a:bodyPr>
+          <a:lstStyle/>
+          <a:p>
+            <a:pPr marL="0" lvl="0" indent="0" algn="l" rtl="0">
+              <a:spcBef>
+                <a:spcPts val="0"/>
+              </a:spcBef>
+              <a:spcAft>
+                <a:spcPts val="0"/>
+              </a:spcAft>
+              <a:buNone/>
+            </a:pPr>
+            <a:endParaRPr/>
+          </a:p>
+        </p:txBody>
+      </p:sp>
+      <p:sp>
+        <p:nvSpPr>
+          <p:cNvPr id="119" name="Google Shape;119;p6:notes"/>
+          <p:cNvSpPr>
+            <a:spLocks noGrp="1" noRot="1" noChangeAspect="1"/>
+          </p:cNvSpPr>
+          <p:nvPr>
+            <p:ph type="sldImg" idx="2"/>
+          </p:nvPr>
+        </p:nvSpPr>
+        <p:spPr>
+          <a:xfrm>
+            <a:off x="1200150" y="1143000"/>
+            <a:ext cx="4457700" cy="3086100"/>
+          </a:xfrm>
+          <a:custGeom>
+            <a:avLst/>
+            <a:gdLst/>
+            <a:ahLst/>
+            <a:cxnLst/>
+            <a:rect l="l" t="t" r="r" b="b"/>
+            <a:pathLst>
+              <a:path w="120000" h="120000" extrusionOk="0">
+                <a:moveTo>
+                  <a:pt x="0" y="0"/>
+                </a:moveTo>
+                <a:lnTo>
+                  <a:pt x="120000" y="0"/>
+                </a:lnTo>
+                <a:lnTo>
+                  <a:pt x="120000" y="120000"/>
+                </a:lnTo>
+                <a:lnTo>
+                  <a:pt x="0" y="120000"/>
+                </a:lnTo>
+                <a:close/>
+              </a:path>
+            </a:pathLst>
+          </a:custGeom>
+        </p:spPr>
+      </p:sp>
+    </p:spTree>
+    <p:extLst>
+      <p:ext uri="{BB962C8B-B14F-4D97-AF65-F5344CB8AC3E}">
         <p14:creationId xmlns:p14="http://schemas.microsoft.com/office/powerpoint/2010/main" val="3950306301"/>
       </p:ext>
     </p:extLst>
@@ -8472,7 +8583,7 @@
 </p:notes>
 </file>
 
-<file path=ppt/notesSlides/notesSlide3.xml><?xml version="1.0" encoding="utf-8"?>
+<file path=ppt/notesSlides/notesSlide4.xml><?xml version="1.0" encoding="utf-8"?>
 <p:notes xmlns:a="http://schemas.openxmlformats.org/drawingml/2006/main" xmlns:r="http://schemas.openxmlformats.org/officeDocument/2006/relationships" xmlns:p="http://schemas.openxmlformats.org/presentationml/2006/main" showMasterSp="0" showMasterPhAnim="0">
   <p:cSld>
     <p:spTree>
@@ -8712,7 +8823,7 @@
           <a:p>
             <a:fld id="{C6DFEB83-A204-40B8-B593-81BAB2317EA1}" type="datetime1">
               <a:rPr lang="ko-KR" altLang="en-US" smtClean="0"/>
-              <a:t>2019-06-09</a:t>
+              <a:t>2019-06-10</a:t>
             </a:fld>
             <a:endParaRPr lang="en-US"/>
           </a:p>
@@ -8834,7 +8945,7 @@
           <a:p>
             <a:fld id="{F752EDE3-6E75-4046-9053-6B4E2492D3B0}" type="datetime1">
               <a:rPr lang="ko-KR" altLang="en-US" smtClean="0"/>
-              <a:t>2019-06-09</a:t>
+              <a:t>2019-06-10</a:t>
             </a:fld>
             <a:endParaRPr lang="en-US"/>
           </a:p>
@@ -8981,7 +9092,7 @@
           <a:p>
             <a:fld id="{9B82DC21-AC1D-4040-957D-48228A45CDB7}" type="datetime1">
               <a:rPr lang="ko-KR" altLang="en-US" smtClean="0"/>
-              <a:t>2019-06-09</a:t>
+              <a:t>2019-06-10</a:t>
             </a:fld>
             <a:endParaRPr lang="en-US"/>
           </a:p>
@@ -9155,7 +9266,7 @@
           <a:p>
             <a:fld id="{EAE9C953-F340-4663-A197-CCE7263E45BC}" type="datetime1">
               <a:rPr lang="ko-KR" altLang="en-US" smtClean="0"/>
-              <a:t>2019-06-09</a:t>
+              <a:t>2019-06-10</a:t>
             </a:fld>
             <a:endParaRPr lang="en-US"/>
           </a:p>
@@ -9406,7 +9517,7 @@
           <a:p>
             <a:fld id="{EAE9C953-F340-4663-A197-CCE7263E45BC}" type="datetime1">
               <a:rPr lang="ko-KR" altLang="en-US" smtClean="0"/>
-              <a:t>2019-06-09</a:t>
+              <a:t>2019-06-10</a:t>
             </a:fld>
             <a:endParaRPr lang="en-US"/>
           </a:p>
@@ -9722,7 +9833,7 @@
           <a:p>
             <a:fld id="{890399D1-6C1C-4B03-B08C-60A601F2EFBA}" type="datetime1">
               <a:rPr lang="ko-KR" altLang="en-US" smtClean="0"/>
-              <a:t>2019-06-09</a:t>
+              <a:t>2019-06-10</a:t>
             </a:fld>
             <a:endParaRPr lang="en-US"/>
           </a:p>
@@ -10058,7 +10169,7 @@
           <a:p>
             <a:fld id="{CB251830-6212-4CA9-A1A3-4280ABBDDAB8}" type="datetime1">
               <a:rPr lang="ko-KR" altLang="en-US" smtClean="0"/>
-              <a:t>2019-06-09</a:t>
+              <a:t>2019-06-10</a:t>
             </a:fld>
             <a:endParaRPr lang="en-US"/>
           </a:p>
@@ -10399,7 +10510,7 @@
           <a:p>
             <a:fld id="{CB251830-6212-4CA9-A1A3-4280ABBDDAB8}" type="datetime1">
               <a:rPr lang="ko-KR" altLang="en-US" smtClean="0"/>
-              <a:t>2019-06-09</a:t>
+              <a:t>2019-06-10</a:t>
             </a:fld>
             <a:endParaRPr lang="en-US"/>
           </a:p>
@@ -10678,7 +10789,7 @@
           <a:p>
             <a:fld id="{33C64400-840D-4EE1-8A5A-B5A1894C0565}" type="datetime1">
               <a:rPr lang="ko-KR" altLang="en-US" smtClean="0"/>
-              <a:t>2019-06-09</a:t>
+              <a:t>2019-06-10</a:t>
             </a:fld>
             <a:endParaRPr lang="en-US"/>
           </a:p>
@@ -10994,7 +11105,7 @@
           <a:p>
             <a:fld id="{890399D1-6C1C-4B03-B08C-60A601F2EFBA}" type="datetime1">
               <a:rPr lang="ko-KR" altLang="en-US" smtClean="0"/>
-              <a:t>2019-06-09</a:t>
+              <a:t>2019-06-10</a:t>
             </a:fld>
             <a:endParaRPr lang="en-US"/>
           </a:p>
@@ -11408,7 +11519,7 @@
           <a:p>
             <a:fld id="{A05A85B3-D7AB-4ED4-92E7-BC2AAC4C46C4}" type="datetime1">
               <a:rPr lang="ko-KR" altLang="en-US" smtClean="0"/>
-              <a:t>2019-06-09</a:t>
+              <a:t>2019-06-10</a:t>
             </a:fld>
             <a:endParaRPr lang="en-US"/>
           </a:p>
@@ -11627,7 +11738,7 @@
           <a:p>
             <a:fld id="{FC11DF4A-87B9-4806-B30E-57A4F6A739DC}" type="datetime1">
               <a:rPr lang="ko-KR" altLang="en-US" smtClean="0"/>
-              <a:t>2019-06-09</a:t>
+              <a:t>2019-06-10</a:t>
             </a:fld>
             <a:endParaRPr lang="en-US"/>
           </a:p>
@@ -12214,6 +12325,158 @@
           <a:p>
             <a:r>
               <a:rPr lang="en-US" smtClean="0"/>
+              <a:t>GPS </a:t>
+            </a:r>
+            <a:r>
+              <a:rPr lang="ko-KR" altLang="en-US" smtClean="0"/>
+              <a:t>연결</a:t>
+            </a:r>
+            <a:endParaRPr lang="en-US"/>
+          </a:p>
+        </p:txBody>
+      </p:sp>
+      <p:pic>
+        <p:nvPicPr>
+          <p:cNvPr id="7" name="내용 개체 틀 6"/>
+          <p:cNvPicPr>
+            <a:picLocks noGrp="1" noChangeAspect="1"/>
+          </p:cNvPicPr>
+          <p:nvPr>
+            <p:ph idx="1"/>
+          </p:nvPr>
+        </p:nvPicPr>
+        <p:blipFill>
+          <a:blip r:embed="rId2"/>
+          <a:stretch>
+            <a:fillRect/>
+          </a:stretch>
+        </p:blipFill>
+        <p:spPr>
+          <a:xfrm>
+            <a:off x="2376128" y="2011125"/>
+            <a:ext cx="5153744" cy="3410426"/>
+          </a:xfrm>
+          <a:prstGeom prst="rect">
+            <a:avLst/>
+          </a:prstGeom>
+        </p:spPr>
+      </p:pic>
+      <p:sp>
+        <p:nvSpPr>
+          <p:cNvPr id="4" name="날짜 개체 틀 3"/>
+          <p:cNvSpPr>
+            <a:spLocks noGrp="1"/>
+          </p:cNvSpPr>
+          <p:nvPr>
+            <p:ph type="dt" sz="half" idx="10"/>
+          </p:nvPr>
+        </p:nvSpPr>
+        <p:spPr/>
+        <p:txBody>
+          <a:bodyPr/>
+          <a:lstStyle/>
+          <a:p>
+            <a:fld id="{EAE9C953-F340-4663-A197-CCE7263E45BC}" type="datetime1">
+              <a:rPr lang="ko-KR" altLang="en-US" smtClean="0"/>
+              <a:t>2019-06-10</a:t>
+            </a:fld>
+            <a:endParaRPr lang="en-US"/>
+          </a:p>
+        </p:txBody>
+      </p:sp>
+      <p:sp>
+        <p:nvSpPr>
+          <p:cNvPr id="5" name="바닥글 개체 틀 4"/>
+          <p:cNvSpPr>
+            <a:spLocks noGrp="1"/>
+          </p:cNvSpPr>
+          <p:nvPr>
+            <p:ph type="ftr" sz="quarter" idx="11"/>
+          </p:nvPr>
+        </p:nvSpPr>
+        <p:spPr/>
+        <p:txBody>
+          <a:bodyPr/>
+          <a:lstStyle/>
+          <a:p>
+            <a:r>
+              <a:rPr lang="ko-KR" altLang="en-US" smtClean="0"/>
+              <a:t>리눅스 시스템 프로그래밍</a:t>
+            </a:r>
+            <a:endParaRPr lang="en-US"/>
+          </a:p>
+        </p:txBody>
+      </p:sp>
+      <p:sp>
+        <p:nvSpPr>
+          <p:cNvPr id="6" name="슬라이드 번호 개체 틀 5"/>
+          <p:cNvSpPr>
+            <a:spLocks noGrp="1"/>
+          </p:cNvSpPr>
+          <p:nvPr>
+            <p:ph type="sldNum" sz="quarter" idx="12"/>
+          </p:nvPr>
+        </p:nvSpPr>
+        <p:spPr/>
+        <p:txBody>
+          <a:bodyPr/>
+          <a:lstStyle/>
+          <a:p>
+            <a:fld id="{AA0EB1BB-D2B3-481B-A5E1-F093F8D3CD29}" type="slidenum">
+              <a:rPr lang="en-US" smtClean="0"/>
+              <a:t>10</a:t>
+            </a:fld>
+            <a:endParaRPr lang="en-US"/>
+          </a:p>
+        </p:txBody>
+      </p:sp>
+    </p:spTree>
+    <p:extLst>
+      <p:ext uri="{BB962C8B-B14F-4D97-AF65-F5344CB8AC3E}">
+        <p14:creationId xmlns:p14="http://schemas.microsoft.com/office/powerpoint/2010/main" val="4071195565"/>
+      </p:ext>
+    </p:extLst>
+  </p:cSld>
+  <p:clrMapOvr>
+    <a:masterClrMapping/>
+  </p:clrMapOvr>
+</p:sld>
+</file>
+
+<file path=ppt/slides/slide11.xml><?xml version="1.0" encoding="utf-8"?>
+<p:sld xmlns:a="http://schemas.openxmlformats.org/drawingml/2006/main" xmlns:r="http://schemas.openxmlformats.org/officeDocument/2006/relationships" xmlns:p="http://schemas.openxmlformats.org/presentationml/2006/main">
+  <p:cSld>
+    <p:spTree>
+      <p:nvGrpSpPr>
+        <p:cNvPr id="1" name=""/>
+        <p:cNvGrpSpPr/>
+        <p:nvPr/>
+      </p:nvGrpSpPr>
+      <p:grpSpPr>
+        <a:xfrm>
+          <a:off x="0" y="0"/>
+          <a:ext cx="0" cy="0"/>
+          <a:chOff x="0" y="0"/>
+          <a:chExt cx="0" cy="0"/>
+        </a:xfrm>
+      </p:grpSpPr>
+      <p:sp>
+        <p:nvSpPr>
+          <p:cNvPr id="2" name="제목 1"/>
+          <p:cNvSpPr>
+            <a:spLocks noGrp="1"/>
+          </p:cNvSpPr>
+          <p:nvPr>
+            <p:ph type="title"/>
+          </p:nvPr>
+        </p:nvSpPr>
+        <p:spPr/>
+        <p:txBody>
+          <a:bodyPr/>
+          <a:lstStyle/>
+          <a:p>
+            <a:r>
+              <a:rPr lang="en-US" smtClean="0"/>
               <a:t>RC input</a:t>
             </a:r>
             <a:endParaRPr lang="en-US"/>
@@ -12244,11 +12507,7 @@
           <a:p>
             <a:r>
               <a:rPr lang="en-US"/>
-              <a:t>Navio2 supports PPM and SBUS signals as an </a:t>
-            </a:r>
-            <a:r>
-              <a:rPr lang="en-US"/>
-              <a:t>RC </a:t>
+              <a:t>Navio2 supports PPM and SBUS signals as an RC </a:t>
             </a:r>
             <a:r>
               <a:rPr lang="en-US" smtClean="0"/>
@@ -12262,11 +12521,7 @@
             </a:r>
             <a:r>
               <a:rPr lang="en-US"/>
-              <a:t>connect receivers that do not support PPM output you can use </a:t>
-            </a:r>
-            <a:r>
-              <a:rPr lang="en-US"/>
-              <a:t>PPM </a:t>
+              <a:t>connect receivers that do not support PPM output you can use PPM </a:t>
             </a:r>
             <a:r>
               <a:rPr lang="en-US" smtClean="0"/>
@@ -12282,7 +12537,6 @@
               <a:rPr lang="en-US"/>
               <a:t>receiver is powered by Navio2 and does not require power on the servo rail.</a:t>
             </a:r>
-            <a:endParaRPr lang="en-US"/>
           </a:p>
         </p:txBody>
       </p:sp>
@@ -12303,7 +12557,7 @@
           <a:p>
             <a:fld id="{EAE9C953-F340-4663-A197-CCE7263E45BC}" type="datetime1">
               <a:rPr lang="ko-KR" altLang="en-US" smtClean="0"/>
-              <a:t>2019-06-09</a:t>
+              <a:t>2019-06-10</a:t>
             </a:fld>
             <a:endParaRPr lang="en-US"/>
           </a:p>
@@ -12349,7 +12603,7 @@
           <a:p>
             <a:fld id="{AA0EB1BB-D2B3-481B-A5E1-F093F8D3CD29}" type="slidenum">
               <a:rPr lang="en-US" smtClean="0"/>
-              <a:t>10</a:t>
+              <a:t>11</a:t>
             </a:fld>
             <a:endParaRPr lang="en-US"/>
           </a:p>
@@ -12392,7 +12646,7 @@
 </p:sld>
 </file>
 
-<file path=ppt/slides/slide11.xml><?xml version="1.0" encoding="utf-8"?>
+<file path=ppt/slides/slide12.xml><?xml version="1.0" encoding="utf-8"?>
 <p:sld xmlns:a="http://schemas.openxmlformats.org/drawingml/2006/main" xmlns:r="http://schemas.openxmlformats.org/officeDocument/2006/relationships" xmlns:p="http://schemas.openxmlformats.org/presentationml/2006/main">
   <p:cSld>
     <p:spTree>
@@ -12460,11 +12714,7 @@
           <a:p>
             <a:r>
               <a:rPr lang="en-US"/>
-              <a:t>ESCs are connected to RC outputs labeled from 1 to 14 on a 2.54mm </a:t>
-            </a:r>
-            <a:r>
-              <a:rPr lang="en-US"/>
-              <a:t>header</a:t>
+              <a:t>ESCs are connected to RC outputs labeled from 1 to 14 on a 2.54mm header</a:t>
             </a:r>
             <a:r>
               <a:rPr lang="en-US" smtClean="0"/>
@@ -12497,7 +12747,7 @@
           <a:p>
             <a:fld id="{EAE9C953-F340-4663-A197-CCE7263E45BC}" type="datetime1">
               <a:rPr lang="ko-KR" altLang="en-US" smtClean="0"/>
-              <a:t>2019-06-09</a:t>
+              <a:t>2019-06-10</a:t>
             </a:fld>
             <a:endParaRPr lang="en-US"/>
           </a:p>
@@ -12543,7 +12793,7 @@
           <a:p>
             <a:fld id="{AA0EB1BB-D2B3-481B-A5E1-F093F8D3CD29}" type="slidenum">
               <a:rPr lang="en-US" smtClean="0"/>
-              <a:t>11</a:t>
+              <a:t>12</a:t>
             </a:fld>
             <a:endParaRPr lang="en-US"/>
           </a:p>
@@ -12586,7 +12836,7 @@
 </p:sld>
 </file>
 
-<file path=ppt/slides/slide12.xml><?xml version="1.0" encoding="utf-8"?>
+<file path=ppt/slides/slide13.xml><?xml version="1.0" encoding="utf-8"?>
 <p:sld xmlns:a="http://schemas.openxmlformats.org/drawingml/2006/main" xmlns:r="http://schemas.openxmlformats.org/officeDocument/2006/relationships" xmlns:p="http://schemas.openxmlformats.org/presentationml/2006/main">
   <p:cSld>
     <p:spTree>
@@ -12678,11 +12928,7 @@
           <a:p>
             <a:r>
               <a:rPr lang="en-US"/>
-              <a:t>Servos are connected to RC outputs labeled from 1 to 14 on a 2.54mm </a:t>
-            </a:r>
-            <a:r>
-              <a:rPr lang="en-US"/>
-              <a:t>header</a:t>
+              <a:t>Servos are connected to RC outputs labeled from 1 to 14 on a 2.54mm header</a:t>
             </a:r>
             <a:r>
               <a:rPr lang="en-US" smtClean="0"/>
@@ -12693,11 +12939,7 @@
           <a:p>
             <a:r>
               <a:rPr lang="en-US"/>
-              <a:t>Power module does not provide power to servos. To provide power to servos connect BEC to the servo rail. BEC would also serve as back-up power supply to </a:t>
-            </a:r>
-            <a:r>
-              <a:rPr lang="en-US"/>
-              <a:t>Navio2</a:t>
+              <a:t>Power module does not provide power to servos. To provide power to servos connect BEC to the servo rail. BEC would also serve as back-up power supply to Navio2</a:t>
             </a:r>
             <a:r>
               <a:rPr lang="en-US" smtClean="0"/>
@@ -12724,7 +12966,7 @@
           <a:p>
             <a:fld id="{EAE9C953-F340-4663-A197-CCE7263E45BC}" type="datetime1">
               <a:rPr lang="ko-KR" altLang="en-US" smtClean="0"/>
-              <a:t>2019-06-09</a:t>
+              <a:t>2019-06-10</a:t>
             </a:fld>
             <a:endParaRPr lang="en-US"/>
           </a:p>
@@ -12770,7 +13012,7 @@
           <a:p>
             <a:fld id="{AA0EB1BB-D2B3-481B-A5E1-F093F8D3CD29}" type="slidenum">
               <a:rPr lang="en-US" smtClean="0"/>
-              <a:t>12</a:t>
+              <a:t>13</a:t>
             </a:fld>
             <a:endParaRPr lang="en-US"/>
           </a:p>
@@ -12789,7 +13031,7 @@
 </p:sld>
 </file>
 
-<file path=ppt/slides/slide13.xml><?xml version="1.0" encoding="utf-8"?>
+<file path=ppt/slides/slide14.xml><?xml version="1.0" encoding="utf-8"?>
 <p:sld xmlns:a="http://schemas.openxmlformats.org/drawingml/2006/main" xmlns:r="http://schemas.openxmlformats.org/officeDocument/2006/relationships" xmlns:p="http://schemas.openxmlformats.org/presentationml/2006/main">
   <p:cSld>
     <p:spTree>
@@ -12887,11 +13129,7 @@
             <a:pPr lvl="1"/>
             <a:r>
               <a:rPr lang="en-US"/>
-              <a:t>For UART port use /dev/ttyAMA0 </a:t>
-            </a:r>
-            <a:r>
-              <a:rPr lang="en-US"/>
-              <a:t>serial</a:t>
+              <a:t>For UART port use /dev/ttyAMA0 serial</a:t>
             </a:r>
             <a:r>
               <a:rPr lang="en-US" smtClean="0"/>
@@ -12918,7 +13156,6 @@
               <a:rPr lang="en-US"/>
               <a:t>/dev/ttyUSB0 virtual serial port for USB. </a:t>
             </a:r>
-            <a:endParaRPr lang="en-US"/>
           </a:p>
         </p:txBody>
       </p:sp>
@@ -12939,7 +13176,7 @@
           <a:p>
             <a:fld id="{EAE9C953-F340-4663-A197-CCE7263E45BC}" type="datetime1">
               <a:rPr lang="ko-KR" altLang="en-US" smtClean="0"/>
-              <a:t>2019-06-09</a:t>
+              <a:t>2019-06-10</a:t>
             </a:fld>
             <a:endParaRPr lang="en-US"/>
           </a:p>
@@ -12985,7 +13222,7 @@
           <a:p>
             <a:fld id="{AA0EB1BB-D2B3-481B-A5E1-F093F8D3CD29}" type="slidenum">
               <a:rPr lang="en-US" smtClean="0"/>
-              <a:t>13</a:t>
+              <a:t>14</a:t>
             </a:fld>
             <a:endParaRPr lang="en-US"/>
           </a:p>
@@ -13028,7 +13265,7 @@
 </p:sld>
 </file>
 
-<file path=ppt/slides/slide14.xml><?xml version="1.0" encoding="utf-8"?>
+<file path=ppt/slides/slide15.xml><?xml version="1.0" encoding="utf-8"?>
 <p:sld xmlns:a="http://schemas.openxmlformats.org/drawingml/2006/main" xmlns:r="http://schemas.openxmlformats.org/officeDocument/2006/relationships" xmlns:p="http://schemas.openxmlformats.org/presentationml/2006/main">
   <p:cSld>
     <p:spTree>
@@ -13064,11 +13301,7 @@
           <a:p>
             <a:r>
               <a:rPr lang="en-US" b="0"/>
-              <a:t>Barometer </a:t>
-            </a:r>
-            <a:r>
-              <a:rPr lang="en-US" b="0"/>
-              <a:t>UV </a:t>
+              <a:t>Barometer UV </a:t>
             </a:r>
             <a:r>
               <a:rPr lang="en-US" b="0" smtClean="0"/>
@@ -13102,11 +13335,7 @@
           <a:p>
             <a:r>
               <a:rPr lang="en-US"/>
-              <a:t>MS5611 barometer (steel cap IC) is sensitive to UV light and might report sudden jumps in altitude </a:t>
-            </a:r>
-            <a:r>
-              <a:rPr lang="en-US"/>
-              <a:t>under </a:t>
+              <a:t>MS5611 barometer (steel cap IC) is sensitive to UV light and might report sudden jumps in altitude under </a:t>
             </a:r>
             <a:r>
               <a:rPr lang="en-US" smtClean="0"/>
@@ -13142,7 +13371,7 @@
           <a:p>
             <a:fld id="{EAE9C953-F340-4663-A197-CCE7263E45BC}" type="datetime1">
               <a:rPr lang="ko-KR" altLang="en-US" smtClean="0"/>
-              <a:t>2019-06-09</a:t>
+              <a:t>2019-06-10</a:t>
             </a:fld>
             <a:endParaRPr lang="en-US"/>
           </a:p>
@@ -13188,7 +13417,7 @@
           <a:p>
             <a:fld id="{AA0EB1BB-D2B3-481B-A5E1-F093F8D3CD29}" type="slidenum">
               <a:rPr lang="en-US" smtClean="0"/>
-              <a:t>14</a:t>
+              <a:t>15</a:t>
             </a:fld>
             <a:endParaRPr lang="en-US"/>
           </a:p>
@@ -13231,7 +13460,7 @@
 </p:sld>
 </file>
 
-<file path=ppt/slides/slide15.xml><?xml version="1.0" encoding="utf-8"?>
+<file path=ppt/slides/slide16.xml><?xml version="1.0" encoding="utf-8"?>
 <p:sld xmlns:a="http://schemas.openxmlformats.org/drawingml/2006/main" xmlns:r="http://schemas.openxmlformats.org/officeDocument/2006/relationships" xmlns:p="http://schemas.openxmlformats.org/presentationml/2006/main">
   <p:cSld>
     <p:spTree>
@@ -13293,11 +13522,7 @@
           <a:p>
             <a:r>
               <a:rPr lang="en-US"/>
-              <a:t>We have designed an anti-vibration for Navio that can be easily </a:t>
-            </a:r>
-            <a:r>
-              <a:rPr lang="en-US"/>
-              <a:t>3D </a:t>
+              <a:t>We have designed an anti-vibration for Navio that can be easily 3D </a:t>
             </a:r>
             <a:r>
               <a:rPr lang="en-US" smtClean="0"/>
@@ -13313,7 +13538,6 @@
               <a:rPr lang="en-US"/>
               <a:t>significantly simplifies mounting and eliminates vibrations.</a:t>
             </a:r>
-            <a:endParaRPr lang="en-US"/>
           </a:p>
         </p:txBody>
       </p:sp>
@@ -13334,7 +13558,7 @@
           <a:p>
             <a:fld id="{EAE9C953-F340-4663-A197-CCE7263E45BC}" type="datetime1">
               <a:rPr lang="ko-KR" altLang="en-US" smtClean="0"/>
-              <a:t>2019-06-09</a:t>
+              <a:t>2019-06-10</a:t>
             </a:fld>
             <a:endParaRPr lang="en-US"/>
           </a:p>
@@ -13380,7 +13604,7 @@
           <a:p>
             <a:fld id="{AA0EB1BB-D2B3-481B-A5E1-F093F8D3CD29}" type="slidenum">
               <a:rPr lang="en-US" smtClean="0"/>
-              <a:t>15</a:t>
+              <a:t>16</a:t>
             </a:fld>
             <a:endParaRPr lang="en-US"/>
           </a:p>
@@ -13447,7 +13671,7 @@
 </p:sld>
 </file>
 
-<file path=ppt/slides/slide16.xml><?xml version="1.0" encoding="utf-8"?>
+<file path=ppt/slides/slide17.xml><?xml version="1.0" encoding="utf-8"?>
 <p:sld xmlns:a="http://schemas.openxmlformats.org/drawingml/2006/main" xmlns:r="http://schemas.openxmlformats.org/officeDocument/2006/relationships" xmlns:p="http://schemas.openxmlformats.org/presentationml/2006/main">
   <p:cSld>
     <p:spTree>
@@ -13527,13 +13751,7 @@
               <a:rPr lang="en-US">
                 <a:hlinkClick r:id="rId2"/>
               </a:rPr>
-              <a:t>https</a:t>
-            </a:r>
-            <a:r>
-              <a:rPr lang="en-US">
-                <a:hlinkClick r:id="rId2"/>
-              </a:rPr>
-              <a:t>://</a:t>
+              <a:t>https://</a:t>
             </a:r>
             <a:r>
               <a:rPr lang="en-US" smtClean="0">
@@ -13556,13 +13774,7 @@
               <a:rPr lang="en-US">
                 <a:hlinkClick r:id="rId3"/>
               </a:rPr>
-              <a:t>https</a:t>
-            </a:r>
-            <a:r>
-              <a:rPr lang="en-US">
-                <a:hlinkClick r:id="rId3"/>
-              </a:rPr>
-              <a:t>://</a:t>
+              <a:t>https://</a:t>
             </a:r>
             <a:r>
               <a:rPr lang="en-US" smtClean="0">
@@ -13591,7 +13803,6 @@
               <a:rPr lang="en-US"/>
               <a:t> </a:t>
             </a:r>
-            <a:endParaRPr lang="en-US"/>
           </a:p>
         </p:txBody>
       </p:sp>
@@ -13612,7 +13823,7 @@
           <a:p>
             <a:fld id="{EAE9C953-F340-4663-A197-CCE7263E45BC}" type="datetime1">
               <a:rPr lang="ko-KR" altLang="en-US" smtClean="0"/>
-              <a:t>2019-06-09</a:t>
+              <a:t>2019-06-10</a:t>
             </a:fld>
             <a:endParaRPr lang="en-US"/>
           </a:p>
@@ -13658,7 +13869,7 @@
           <a:p>
             <a:fld id="{AA0EB1BB-D2B3-481B-A5E1-F093F8D3CD29}" type="slidenum">
               <a:rPr lang="en-US" smtClean="0"/>
-              <a:t>16</a:t>
+              <a:t>17</a:t>
             </a:fld>
             <a:endParaRPr lang="en-US"/>
           </a:p>
@@ -13701,155 +13912,6 @@
 </p:sld>
 </file>
 
-<file path=ppt/slides/slide17.xml><?xml version="1.0" encoding="utf-8"?>
-<p:sld xmlns:a="http://schemas.openxmlformats.org/drawingml/2006/main" xmlns:r="http://schemas.openxmlformats.org/officeDocument/2006/relationships" xmlns:p="http://schemas.openxmlformats.org/presentationml/2006/main">
-  <p:cSld>
-    <p:spTree>
-      <p:nvGrpSpPr>
-        <p:cNvPr id="1" name=""/>
-        <p:cNvGrpSpPr/>
-        <p:nvPr/>
-      </p:nvGrpSpPr>
-      <p:grpSpPr>
-        <a:xfrm>
-          <a:off x="0" y="0"/>
-          <a:ext cx="0" cy="0"/>
-          <a:chOff x="0" y="0"/>
-          <a:chExt cx="0" cy="0"/>
-        </a:xfrm>
-      </p:grpSpPr>
-      <p:sp>
-        <p:nvSpPr>
-          <p:cNvPr id="2" name="제목 1"/>
-          <p:cNvSpPr>
-            <a:spLocks noGrp="1"/>
-          </p:cNvSpPr>
-          <p:nvPr>
-            <p:ph type="title"/>
-          </p:nvPr>
-        </p:nvSpPr>
-        <p:spPr/>
-        <p:txBody>
-          <a:bodyPr/>
-          <a:lstStyle/>
-          <a:p>
-            <a:r>
-              <a:rPr lang="en-US" smtClean="0"/>
-              <a:t>NAVIO </a:t>
-            </a:r>
-            <a:r>
-              <a:rPr lang="ko-KR" altLang="en-US" smtClean="0"/>
-              <a:t>설정</a:t>
-            </a:r>
-            <a:endParaRPr lang="en-US"/>
-          </a:p>
-        </p:txBody>
-      </p:sp>
-      <p:sp>
-        <p:nvSpPr>
-          <p:cNvPr id="3" name="텍스트 개체 틀 2"/>
-          <p:cNvSpPr>
-            <a:spLocks noGrp="1"/>
-          </p:cNvSpPr>
-          <p:nvPr>
-            <p:ph type="body" idx="1"/>
-          </p:nvPr>
-        </p:nvSpPr>
-        <p:spPr/>
-        <p:txBody>
-          <a:bodyPr/>
-          <a:lstStyle/>
-          <a:p>
-            <a:r>
-              <a:rPr lang="ko-KR" altLang="en-US" smtClean="0"/>
-              <a:t>조립</a:t>
-            </a:r>
-            <a:endParaRPr lang="en-US"/>
-          </a:p>
-        </p:txBody>
-      </p:sp>
-      <p:sp>
-        <p:nvSpPr>
-          <p:cNvPr id="4" name="날짜 개체 틀 3"/>
-          <p:cNvSpPr>
-            <a:spLocks noGrp="1"/>
-          </p:cNvSpPr>
-          <p:nvPr>
-            <p:ph type="dt" sz="half" idx="10"/>
-          </p:nvPr>
-        </p:nvSpPr>
-        <p:spPr/>
-        <p:txBody>
-          <a:bodyPr/>
-          <a:lstStyle/>
-          <a:p>
-            <a:fld id="{CB251830-6212-4CA9-A1A3-4280ABBDDAB8}" type="datetime1">
-              <a:rPr lang="ko-KR" altLang="en-US" smtClean="0"/>
-              <a:t>2019-06-09</a:t>
-            </a:fld>
-            <a:endParaRPr lang="en-US"/>
-          </a:p>
-        </p:txBody>
-      </p:sp>
-      <p:sp>
-        <p:nvSpPr>
-          <p:cNvPr id="5" name="바닥글 개체 틀 4"/>
-          <p:cNvSpPr>
-            <a:spLocks noGrp="1"/>
-          </p:cNvSpPr>
-          <p:nvPr>
-            <p:ph type="ftr" sz="quarter" idx="11"/>
-          </p:nvPr>
-        </p:nvSpPr>
-        <p:spPr/>
-        <p:txBody>
-          <a:bodyPr/>
-          <a:lstStyle/>
-          <a:p>
-            <a:r>
-              <a:rPr lang="ko-KR" altLang="en-US" smtClean="0"/>
-              <a:t>리눅스 시스템 프로그래밍</a:t>
-            </a:r>
-            <a:endParaRPr lang="en-US"/>
-          </a:p>
-        </p:txBody>
-      </p:sp>
-      <p:sp>
-        <p:nvSpPr>
-          <p:cNvPr id="6" name="슬라이드 번호 개체 틀 5"/>
-          <p:cNvSpPr>
-            <a:spLocks noGrp="1"/>
-          </p:cNvSpPr>
-          <p:nvPr>
-            <p:ph type="sldNum" sz="quarter" idx="12"/>
-          </p:nvPr>
-        </p:nvSpPr>
-        <p:spPr/>
-        <p:txBody>
-          <a:bodyPr/>
-          <a:lstStyle/>
-          <a:p>
-            <a:fld id="{AA0EB1BB-D2B3-481B-A5E1-F093F8D3CD29}" type="slidenum">
-              <a:rPr lang="en-US" smtClean="0"/>
-              <a:t>17</a:t>
-            </a:fld>
-            <a:endParaRPr lang="en-US"/>
-          </a:p>
-        </p:txBody>
-      </p:sp>
-    </p:spTree>
-    <p:extLst>
-      <p:ext uri="{BB962C8B-B14F-4D97-AF65-F5344CB8AC3E}">
-        <p14:creationId xmlns:p14="http://schemas.microsoft.com/office/powerpoint/2010/main" val="2610619197"/>
-      </p:ext>
-    </p:extLst>
-  </p:cSld>
-  <p:clrMapOvr>
-    <a:masterClrMapping/>
-  </p:clrMapOvr>
-</p:sld>
-</file>
-
 <file path=ppt/slides/slide18.xml><?xml version="1.0" encoding="utf-8"?>
 <p:sld xmlns:a="http://schemas.openxmlformats.org/drawingml/2006/main" xmlns:r="http://schemas.openxmlformats.org/officeDocument/2006/relationships" xmlns:p="http://schemas.openxmlformats.org/presentationml/2006/main">
   <p:cSld>
@@ -13883,8 +13945,12 @@
           <a:lstStyle/>
           <a:p>
             <a:r>
+              <a:rPr lang="en-US" smtClean="0"/>
+              <a:t>NAVIO </a:t>
+            </a:r>
+            <a:r>
               <a:rPr lang="ko-KR" altLang="en-US" smtClean="0"/>
-              <a:t>라즈비안 설치</a:t>
+              <a:t>설정</a:t>
             </a:r>
             <a:endParaRPr lang="en-US"/>
           </a:p>
@@ -13892,12 +13958,12 @@
       </p:sp>
       <p:sp>
         <p:nvSpPr>
-          <p:cNvPr id="3" name="내용 개체 틀 2"/>
+          <p:cNvPr id="3" name="텍스트 개체 틀 2"/>
           <p:cNvSpPr>
             <a:spLocks noGrp="1"/>
           </p:cNvSpPr>
           <p:nvPr>
-            <p:ph idx="1"/>
+            <p:ph type="body" idx="1"/>
           </p:nvPr>
         </p:nvSpPr>
         <p:spPr/>
@@ -13907,33 +13973,8 @@
           <a:p>
             <a:r>
               <a:rPr lang="ko-KR" altLang="en-US" smtClean="0"/>
-              <a:t>기설정된 라즈비안 이미지 다운로드</a:t>
-            </a:r>
-            <a:endParaRPr lang="en-US" altLang="ko-KR" smtClean="0"/>
-          </a:p>
-          <a:p>
-            <a:pPr lvl="1"/>
-            <a:r>
-              <a:rPr lang="en-US">
-                <a:hlinkClick r:id="rId2"/>
-              </a:rPr>
-              <a:t>http</a:t>
-            </a:r>
-            <a:r>
-              <a:rPr lang="en-US">
-                <a:hlinkClick r:id="rId2"/>
-              </a:rPr>
-              <a:t>://</a:t>
-            </a:r>
-            <a:r>
-              <a:rPr lang="en-US" smtClean="0">
-                <a:hlinkClick r:id="rId2"/>
-              </a:rPr>
-              <a:t>files.emlid.com/images/emlid-raspbian-20190227.img.xz</a:t>
-            </a:r>
-            <a:endParaRPr lang="en-US" smtClean="0"/>
-          </a:p>
-          <a:p>
+              <a:t>조립</a:t>
+            </a:r>
             <a:endParaRPr lang="en-US"/>
           </a:p>
         </p:txBody>
@@ -13953,9 +13994,9 @@
           <a:bodyPr/>
           <a:lstStyle/>
           <a:p>
-            <a:fld id="{EAE9C953-F340-4663-A197-CCE7263E45BC}" type="datetime1">
+            <a:fld id="{CB251830-6212-4CA9-A1A3-4280ABBDDAB8}" type="datetime1">
               <a:rPr lang="ko-KR" altLang="en-US" smtClean="0"/>
-              <a:t>2019-06-09</a:t>
+              <a:t>2019-06-10</a:t>
             </a:fld>
             <a:endParaRPr lang="en-US"/>
           </a:p>
@@ -14010,7 +14051,7 @@
     </p:spTree>
     <p:extLst>
       <p:ext uri="{BB962C8B-B14F-4D97-AF65-F5344CB8AC3E}">
-        <p14:creationId xmlns:p14="http://schemas.microsoft.com/office/powerpoint/2010/main" val="3409253539"/>
+        <p14:creationId xmlns:p14="http://schemas.microsoft.com/office/powerpoint/2010/main" val="2610619197"/>
       </p:ext>
     </p:extLst>
   </p:cSld>
@@ -14053,12 +14094,8 @@
           <a:lstStyle/>
           <a:p>
             <a:r>
-              <a:rPr lang="en-US">
-                <a:solidFill>
-                  <a:schemeClr val="dk1"/>
-                </a:solidFill>
-              </a:rPr>
-              <a:t>GT-R530 NX</a:t>
+              <a:rPr lang="ko-KR" altLang="en-US" smtClean="0"/>
+              <a:t>라즈비안 설치</a:t>
             </a:r>
             <a:endParaRPr lang="en-US"/>
           </a:p>
@@ -14066,12 +14103,12 @@
       </p:sp>
       <p:sp>
         <p:nvSpPr>
-          <p:cNvPr id="3" name="텍스트 개체 틀 2"/>
+          <p:cNvPr id="3" name="내용 개체 틀 2"/>
           <p:cNvSpPr>
             <a:spLocks noGrp="1"/>
           </p:cNvSpPr>
           <p:nvPr>
-            <p:ph type="body" idx="1"/>
+            <p:ph idx="1"/>
           </p:nvPr>
         </p:nvSpPr>
         <p:spPr/>
@@ -14080,9 +14117,28 @@
           <a:lstStyle/>
           <a:p>
             <a:r>
-              <a:rPr lang="en-US" altLang="ko-KR" smtClean="0"/>
-              <a:t> </a:t>
-            </a:r>
+              <a:rPr lang="ko-KR" altLang="en-US" smtClean="0"/>
+              <a:t>기설정된 라즈비안 이미지 다운로드</a:t>
+            </a:r>
+            <a:endParaRPr lang="en-US" altLang="ko-KR" smtClean="0"/>
+          </a:p>
+          <a:p>
+            <a:pPr lvl="1"/>
+            <a:r>
+              <a:rPr lang="en-US">
+                <a:hlinkClick r:id="rId2"/>
+              </a:rPr>
+              <a:t>http://</a:t>
+            </a:r>
+            <a:r>
+              <a:rPr lang="en-US" smtClean="0">
+                <a:hlinkClick r:id="rId2"/>
+              </a:rPr>
+              <a:t>files.emlid.com/images/emlid-raspbian-20190227.img.xz</a:t>
+            </a:r>
+            <a:endParaRPr lang="en-US" smtClean="0"/>
+          </a:p>
+          <a:p>
             <a:endParaRPr lang="en-US"/>
           </a:p>
         </p:txBody>
@@ -14102,9 +14158,9 @@
           <a:bodyPr/>
           <a:lstStyle/>
           <a:p>
-            <a:fld id="{CB251830-6212-4CA9-A1A3-4280ABBDDAB8}" type="datetime1">
+            <a:fld id="{EAE9C953-F340-4663-A197-CCE7263E45BC}" type="datetime1">
               <a:rPr lang="ko-KR" altLang="en-US" smtClean="0"/>
-              <a:t>2019-06-09</a:t>
+              <a:t>2019-06-10</a:t>
             </a:fld>
             <a:endParaRPr lang="en-US"/>
           </a:p>
@@ -14159,7 +14215,7 @@
     </p:spTree>
     <p:extLst>
       <p:ext uri="{BB962C8B-B14F-4D97-AF65-F5344CB8AC3E}">
-        <p14:creationId xmlns:p14="http://schemas.microsoft.com/office/powerpoint/2010/main" val="3373334001"/>
+        <p14:creationId xmlns:p14="http://schemas.microsoft.com/office/powerpoint/2010/main" val="3409253539"/>
       </p:ext>
     </p:extLst>
   </p:cSld>
@@ -14253,7 +14309,7 @@
           <a:p>
             <a:fld id="{CB251830-6212-4CA9-A1A3-4280ABBDDAB8}" type="datetime1">
               <a:rPr lang="ko-KR" altLang="en-US" smtClean="0"/>
-              <a:t>2019-06-09</a:t>
+              <a:t>2019-06-10</a:t>
             </a:fld>
             <a:endParaRPr lang="en-US"/>
           </a:p>
@@ -14347,6 +14403,366 @@
         </p:nvSpPr>
         <p:spPr/>
         <p:txBody>
+          <a:bodyPr>
+            <a:normAutofit/>
+          </a:bodyPr>
+          <a:lstStyle/>
+          <a:p>
+            <a:r>
+              <a:rPr lang="en-US" b="0"/>
+              <a:t>Specifying launching </a:t>
+            </a:r>
+            <a:r>
+              <a:rPr lang="en-US" b="0" smtClean="0"/>
+              <a:t>options</a:t>
+            </a:r>
+            <a:endParaRPr lang="en-US"/>
+          </a:p>
+        </p:txBody>
+      </p:sp>
+      <p:sp>
+        <p:nvSpPr>
+          <p:cNvPr id="3" name="내용 개체 틀 2"/>
+          <p:cNvSpPr>
+            <a:spLocks noGrp="1"/>
+          </p:cNvSpPr>
+          <p:nvPr>
+            <p:ph idx="1"/>
+          </p:nvPr>
+        </p:nvSpPr>
+        <p:spPr>
+          <a:xfrm>
+            <a:off x="681038" y="1255271"/>
+            <a:ext cx="8543925" cy="1750396"/>
+          </a:xfrm>
+        </p:spPr>
+        <p:txBody>
+          <a:bodyPr/>
+          <a:lstStyle/>
+          <a:p>
+            <a:r>
+              <a:rPr lang="en-US"/>
+              <a:t>Open the </a:t>
+            </a:r>
+            <a:r>
+              <a:rPr lang="en-US" smtClean="0"/>
+              <a:t>file:</a:t>
+            </a:r>
+          </a:p>
+          <a:p>
+            <a:pPr lvl="1"/>
+            <a:r>
+              <a:rPr lang="en-US" smtClean="0"/>
+              <a:t>pi@navio</a:t>
+            </a:r>
+            <a:r>
+              <a:rPr lang="en-US"/>
+              <a:t>: ~ $ sudo nano /</a:t>
+            </a:r>
+            <a:r>
+              <a:rPr lang="en-US" smtClean="0"/>
+              <a:t>etc/default/arducopter</a:t>
+            </a:r>
+          </a:p>
+          <a:p>
+            <a:r>
+              <a:rPr lang="en-US"/>
+              <a:t>Here you can specify IP of your ground station.</a:t>
+            </a:r>
+          </a:p>
+        </p:txBody>
+      </p:sp>
+      <p:sp>
+        <p:nvSpPr>
+          <p:cNvPr id="4" name="날짜 개체 틀 3"/>
+          <p:cNvSpPr>
+            <a:spLocks noGrp="1"/>
+          </p:cNvSpPr>
+          <p:nvPr>
+            <p:ph type="dt" sz="half" idx="10"/>
+          </p:nvPr>
+        </p:nvSpPr>
+        <p:spPr/>
+        <p:txBody>
+          <a:bodyPr/>
+          <a:lstStyle/>
+          <a:p>
+            <a:fld id="{EAE9C953-F340-4663-A197-CCE7263E45BC}" type="datetime1">
+              <a:rPr lang="ko-KR" altLang="en-US" smtClean="0"/>
+              <a:t>2019-06-10</a:t>
+            </a:fld>
+            <a:endParaRPr lang="en-US"/>
+          </a:p>
+        </p:txBody>
+      </p:sp>
+      <p:sp>
+        <p:nvSpPr>
+          <p:cNvPr id="5" name="바닥글 개체 틀 4"/>
+          <p:cNvSpPr>
+            <a:spLocks noGrp="1"/>
+          </p:cNvSpPr>
+          <p:nvPr>
+            <p:ph type="ftr" sz="quarter" idx="11"/>
+          </p:nvPr>
+        </p:nvSpPr>
+        <p:spPr/>
+        <p:txBody>
+          <a:bodyPr/>
+          <a:lstStyle/>
+          <a:p>
+            <a:r>
+              <a:rPr lang="ko-KR" altLang="en-US" smtClean="0"/>
+              <a:t>리눅스 시스템 프로그래밍</a:t>
+            </a:r>
+            <a:endParaRPr lang="en-US"/>
+          </a:p>
+        </p:txBody>
+      </p:sp>
+      <p:sp>
+        <p:nvSpPr>
+          <p:cNvPr id="6" name="슬라이드 번호 개체 틀 5"/>
+          <p:cNvSpPr>
+            <a:spLocks noGrp="1"/>
+          </p:cNvSpPr>
+          <p:nvPr>
+            <p:ph type="sldNum" sz="quarter" idx="12"/>
+          </p:nvPr>
+        </p:nvSpPr>
+        <p:spPr/>
+        <p:txBody>
+          <a:bodyPr/>
+          <a:lstStyle/>
+          <a:p>
+            <a:fld id="{AA0EB1BB-D2B3-481B-A5E1-F093F8D3CD29}" type="slidenum">
+              <a:rPr lang="en-US" smtClean="0"/>
+              <a:t>20</a:t>
+            </a:fld>
+            <a:endParaRPr lang="en-US"/>
+          </a:p>
+        </p:txBody>
+      </p:sp>
+      <p:pic>
+        <p:nvPicPr>
+          <p:cNvPr id="10" name="그림 9"/>
+          <p:cNvPicPr>
+            <a:picLocks noChangeAspect="1"/>
+          </p:cNvPicPr>
+          <p:nvPr/>
+        </p:nvPicPr>
+        <p:blipFill>
+          <a:blip r:embed="rId2"/>
+          <a:stretch>
+            <a:fillRect/>
+          </a:stretch>
+        </p:blipFill>
+        <p:spPr>
+          <a:xfrm>
+            <a:off x="1262247" y="3185514"/>
+            <a:ext cx="5534797" cy="2505425"/>
+          </a:xfrm>
+          <a:prstGeom prst="rect">
+            <a:avLst/>
+          </a:prstGeom>
+        </p:spPr>
+      </p:pic>
+    </p:spTree>
+    <p:extLst>
+      <p:ext uri="{BB962C8B-B14F-4D97-AF65-F5344CB8AC3E}">
+        <p14:creationId xmlns:p14="http://schemas.microsoft.com/office/powerpoint/2010/main" val="1041456936"/>
+      </p:ext>
+    </p:extLst>
+  </p:cSld>
+  <p:clrMapOvr>
+    <a:masterClrMapping/>
+  </p:clrMapOvr>
+  <p:timing>
+    <p:tnLst>
+      <p:par>
+        <p:cTn id="1" dur="indefinite" restart="never" nodeType="tmRoot"/>
+      </p:par>
+    </p:tnLst>
+  </p:timing>
+</p:sld>
+</file>
+
+<file path=ppt/slides/slide21.xml><?xml version="1.0" encoding="utf-8"?>
+<p:sld xmlns:a="http://schemas.openxmlformats.org/drawingml/2006/main" xmlns:r="http://schemas.openxmlformats.org/officeDocument/2006/relationships" xmlns:p="http://schemas.openxmlformats.org/presentationml/2006/main">
+  <p:cSld>
+    <p:spTree>
+      <p:nvGrpSpPr>
+        <p:cNvPr id="1" name=""/>
+        <p:cNvGrpSpPr/>
+        <p:nvPr/>
+      </p:nvGrpSpPr>
+      <p:grpSpPr>
+        <a:xfrm>
+          <a:off x="0" y="0"/>
+          <a:ext cx="0" cy="0"/>
+          <a:chOff x="0" y="0"/>
+          <a:chExt cx="0" cy="0"/>
+        </a:xfrm>
+      </p:grpSpPr>
+      <p:sp>
+        <p:nvSpPr>
+          <p:cNvPr id="2" name="제목 1"/>
+          <p:cNvSpPr>
+            <a:spLocks noGrp="1"/>
+          </p:cNvSpPr>
+          <p:nvPr>
+            <p:ph type="title"/>
+          </p:nvPr>
+        </p:nvSpPr>
+        <p:spPr/>
+        <p:txBody>
+          <a:bodyPr/>
+          <a:lstStyle/>
+          <a:p>
+            <a:r>
+              <a:rPr lang="en-US">
+                <a:solidFill>
+                  <a:schemeClr val="dk1"/>
+                </a:solidFill>
+              </a:rPr>
+              <a:t>GT-R530 NX</a:t>
+            </a:r>
+            <a:endParaRPr lang="en-US"/>
+          </a:p>
+        </p:txBody>
+      </p:sp>
+      <p:sp>
+        <p:nvSpPr>
+          <p:cNvPr id="3" name="텍스트 개체 틀 2"/>
+          <p:cNvSpPr>
+            <a:spLocks noGrp="1"/>
+          </p:cNvSpPr>
+          <p:nvPr>
+            <p:ph type="body" idx="1"/>
+          </p:nvPr>
+        </p:nvSpPr>
+        <p:spPr/>
+        <p:txBody>
+          <a:bodyPr/>
+          <a:lstStyle/>
+          <a:p>
+            <a:r>
+              <a:rPr lang="en-US" altLang="ko-KR" smtClean="0"/>
+              <a:t> </a:t>
+            </a:r>
+            <a:endParaRPr lang="en-US"/>
+          </a:p>
+        </p:txBody>
+      </p:sp>
+      <p:sp>
+        <p:nvSpPr>
+          <p:cNvPr id="4" name="날짜 개체 틀 3"/>
+          <p:cNvSpPr>
+            <a:spLocks noGrp="1"/>
+          </p:cNvSpPr>
+          <p:nvPr>
+            <p:ph type="dt" sz="half" idx="10"/>
+          </p:nvPr>
+        </p:nvSpPr>
+        <p:spPr/>
+        <p:txBody>
+          <a:bodyPr/>
+          <a:lstStyle/>
+          <a:p>
+            <a:fld id="{CB251830-6212-4CA9-A1A3-4280ABBDDAB8}" type="datetime1">
+              <a:rPr lang="ko-KR" altLang="en-US" smtClean="0"/>
+              <a:t>2019-06-10</a:t>
+            </a:fld>
+            <a:endParaRPr lang="en-US"/>
+          </a:p>
+        </p:txBody>
+      </p:sp>
+      <p:sp>
+        <p:nvSpPr>
+          <p:cNvPr id="5" name="바닥글 개체 틀 4"/>
+          <p:cNvSpPr>
+            <a:spLocks noGrp="1"/>
+          </p:cNvSpPr>
+          <p:nvPr>
+            <p:ph type="ftr" sz="quarter" idx="11"/>
+          </p:nvPr>
+        </p:nvSpPr>
+        <p:spPr/>
+        <p:txBody>
+          <a:bodyPr/>
+          <a:lstStyle/>
+          <a:p>
+            <a:r>
+              <a:rPr lang="ko-KR" altLang="en-US" smtClean="0"/>
+              <a:t>리눅스 시스템 프로그래밍</a:t>
+            </a:r>
+            <a:endParaRPr lang="en-US"/>
+          </a:p>
+        </p:txBody>
+      </p:sp>
+      <p:sp>
+        <p:nvSpPr>
+          <p:cNvPr id="6" name="슬라이드 번호 개체 틀 5"/>
+          <p:cNvSpPr>
+            <a:spLocks noGrp="1"/>
+          </p:cNvSpPr>
+          <p:nvPr>
+            <p:ph type="sldNum" sz="quarter" idx="12"/>
+          </p:nvPr>
+        </p:nvSpPr>
+        <p:spPr/>
+        <p:txBody>
+          <a:bodyPr/>
+          <a:lstStyle/>
+          <a:p>
+            <a:fld id="{AA0EB1BB-D2B3-481B-A5E1-F093F8D3CD29}" type="slidenum">
+              <a:rPr lang="en-US" smtClean="0"/>
+              <a:t>21</a:t>
+            </a:fld>
+            <a:endParaRPr lang="en-US"/>
+          </a:p>
+        </p:txBody>
+      </p:sp>
+    </p:spTree>
+    <p:extLst>
+      <p:ext uri="{BB962C8B-B14F-4D97-AF65-F5344CB8AC3E}">
+        <p14:creationId xmlns:p14="http://schemas.microsoft.com/office/powerpoint/2010/main" val="3373334001"/>
+      </p:ext>
+    </p:extLst>
+  </p:cSld>
+  <p:clrMapOvr>
+    <a:masterClrMapping/>
+  </p:clrMapOvr>
+</p:sld>
+</file>
+
+<file path=ppt/slides/slide22.xml><?xml version="1.0" encoding="utf-8"?>
+<p:sld xmlns:a="http://schemas.openxmlformats.org/drawingml/2006/main" xmlns:r="http://schemas.openxmlformats.org/officeDocument/2006/relationships" xmlns:p="http://schemas.openxmlformats.org/presentationml/2006/main">
+  <p:cSld>
+    <p:spTree>
+      <p:nvGrpSpPr>
+        <p:cNvPr id="1" name=""/>
+        <p:cNvGrpSpPr/>
+        <p:nvPr/>
+      </p:nvGrpSpPr>
+      <p:grpSpPr>
+        <a:xfrm>
+          <a:off x="0" y="0"/>
+          <a:ext cx="0" cy="0"/>
+          <a:chOff x="0" y="0"/>
+          <a:chExt cx="0" cy="0"/>
+        </a:xfrm>
+      </p:grpSpPr>
+      <p:sp>
+        <p:nvSpPr>
+          <p:cNvPr id="2" name="제목 1"/>
+          <p:cNvSpPr>
+            <a:spLocks noGrp="1"/>
+          </p:cNvSpPr>
+          <p:nvPr>
+            <p:ph type="title"/>
+          </p:nvPr>
+        </p:nvSpPr>
+        <p:spPr/>
+        <p:txBody>
           <a:bodyPr/>
           <a:lstStyle/>
           <a:p>
@@ -14404,11 +14820,7 @@
           <a:p>
             <a:r>
               <a:rPr lang="en-US"/>
-              <a:t>F405 </a:t>
-            </a:r>
-            <a:r>
-              <a:rPr lang="en-US"/>
-              <a:t>Flight </a:t>
+              <a:t>F405 Flight </a:t>
             </a:r>
             <a:r>
               <a:rPr lang="en-US" smtClean="0"/>
@@ -14422,11 +14834,7 @@
             </a:r>
             <a:r>
               <a:rPr lang="en-US"/>
-              <a:t>Name: F405 Betaflight FC AIO </a:t>
-            </a:r>
-            <a:r>
-              <a:rPr lang="en-US"/>
-              <a:t>OSD </a:t>
+              <a:t>Name: F405 Betaflight FC AIO OSD </a:t>
             </a:r>
             <a:r>
               <a:rPr lang="en-US" smtClean="0"/>
@@ -14440,11 +14848,7 @@
             </a:r>
             <a:r>
               <a:rPr lang="en-US"/>
-              <a:t>Power: 12.6 - 25V ( 3 - </a:t>
-            </a:r>
-            <a:r>
-              <a:rPr lang="en-US"/>
-              <a:t>6S </a:t>
+              <a:t>Power: 12.6 - 25V ( 3 - 6S </a:t>
             </a:r>
             <a:r>
               <a:rPr lang="en-US" smtClean="0"/>
@@ -14458,11 +14862,7 @@
             </a:r>
             <a:r>
               <a:rPr lang="en-US"/>
-              <a:t>: 5V </a:t>
-            </a:r>
-            <a:r>
-              <a:rPr lang="en-US"/>
-              <a:t>/ </a:t>
+              <a:t>: 5V / </a:t>
             </a:r>
             <a:r>
               <a:rPr lang="en-US" smtClean="0"/>
@@ -14491,10 +14891,6 @@
             <a:r>
               <a:rPr lang="en-US"/>
               <a:t>: MPU6000, 8K Six-Axis</a:t>
-            </a:r>
-            <a:r>
-              <a:rPr lang="en-US"/>
-              <a:t/>
             </a:r>
             <a:br>
               <a:rPr lang="en-US"/>
@@ -14535,11 +14931,7 @@
             </a:r>
             <a:r>
               <a:rPr lang="en-US"/>
-              <a:t>Lipo Cell: </a:t>
-            </a:r>
-            <a:r>
-              <a:rPr lang="en-US"/>
-              <a:t>3 </a:t>
+              <a:t>Lipo Cell: 3 </a:t>
             </a:r>
             <a:r>
               <a:rPr lang="en-US" smtClean="0"/>
@@ -14565,11 +14957,7 @@
             </a:r>
             <a:r>
               <a:rPr lang="en-US"/>
-              <a:t>Name: Runcam Micro </a:t>
-            </a:r>
-            <a:r>
-              <a:rPr lang="en-US"/>
-              <a:t>Swift </a:t>
+              <a:t>Name: Runcam Micro Swift </a:t>
             </a:r>
             <a:r>
               <a:rPr lang="en-US" smtClean="0"/>
@@ -14581,7 +14969,6 @@
               <a:rPr lang="en-US" smtClean="0"/>
               <a:t>Camera</a:t>
             </a:r>
-            <a:endParaRPr lang="en-US" smtClean="0"/>
           </a:p>
           <a:p>
             <a:r>
@@ -14590,11 +14977,7 @@
             </a:r>
             <a:r>
               <a:rPr lang="en-US"/>
-              <a:t>Sensor: 1/3 inch SONY Super HAD </a:t>
-            </a:r>
-            <a:r>
-              <a:rPr lang="en-US"/>
-              <a:t>II </a:t>
+              <a:t>Sensor: 1/3 inch SONY Super HAD II </a:t>
             </a:r>
             <a:r>
               <a:rPr lang="en-US" smtClean="0"/>
@@ -14602,17 +14985,12 @@
             </a:r>
             <a:r>
               <a:rPr lang="en-US"/>
-              <a:t>System: PAL </a:t>
-            </a:r>
-            <a:r>
-              <a:rPr lang="en-US"/>
-              <a:t>/ </a:t>
+              <a:t>System: PAL / </a:t>
             </a:r>
             <a:r>
               <a:rPr lang="en-US" smtClean="0"/>
               <a:t>NTSC</a:t>
             </a:r>
-            <a:endParaRPr lang="en-US" smtClean="0"/>
           </a:p>
           <a:p>
             <a:r>
@@ -14621,11 +14999,7 @@
             </a:r>
             <a:r>
               <a:rPr lang="en-US"/>
-              <a:t>/ N Ratio: more than 60dB ( AGC </a:t>
-            </a:r>
-            <a:r>
-              <a:rPr lang="en-US"/>
-              <a:t>OFF </a:t>
+              <a:t>/ N Ratio: more than 60dB ( AGC OFF </a:t>
             </a:r>
             <a:r>
               <a:rPr lang="en-US" smtClean="0"/>
@@ -14639,11 +15013,7 @@
             </a:r>
             <a:r>
               <a:rPr lang="en-US"/>
-              <a:t>Shutter Speed: PAL: 1 / 50 ~ 100,000; NTSC: 1 / 60 </a:t>
-            </a:r>
-            <a:r>
-              <a:rPr lang="en-US"/>
-              <a:t>~ </a:t>
+              <a:t>Shutter Speed: PAL: 1 / 50 ~ 100,000; NTSC: 1 / 60 ~ </a:t>
             </a:r>
             <a:r>
               <a:rPr lang="en-US" smtClean="0"/>
@@ -14657,11 +15027,7 @@
             </a:r>
             <a:r>
               <a:rPr lang="en-US"/>
-              <a:t>AutoGain Control ( AGC </a:t>
-            </a:r>
-            <a:r>
-              <a:rPr lang="en-US"/>
-              <a:t>): </a:t>
+              <a:t>AutoGain Control ( AGC ): </a:t>
             </a:r>
             <a:r>
               <a:rPr lang="en-US" smtClean="0"/>
@@ -14701,7 +15067,7 @@
           <a:p>
             <a:fld id="{EAE9C953-F340-4663-A197-CCE7263E45BC}" type="datetime1">
               <a:rPr lang="ko-KR" altLang="en-US" smtClean="0"/>
-              <a:t>2019-06-09</a:t>
+              <a:t>2019-06-10</a:t>
             </a:fld>
             <a:endParaRPr lang="en-US"/>
           </a:p>
@@ -14747,7 +15113,7 @@
           <a:p>
             <a:fld id="{AA0EB1BB-D2B3-481B-A5E1-F093F8D3CD29}" type="slidenum">
               <a:rPr lang="en-US" smtClean="0"/>
-              <a:t>20</a:t>
+              <a:t>22</a:t>
             </a:fld>
             <a:endParaRPr lang="en-US"/>
           </a:p>
@@ -14793,7 +15159,7 @@
 </p:sld>
 </file>
 
-<file path=ppt/slides/slide21.xml><?xml version="1.0" encoding="utf-8"?>
+<file path=ppt/slides/slide23.xml><?xml version="1.0" encoding="utf-8"?>
 <p:sld xmlns:a="http://schemas.openxmlformats.org/drawingml/2006/main" xmlns:r="http://schemas.openxmlformats.org/officeDocument/2006/relationships" xmlns:p="http://schemas.openxmlformats.org/presentationml/2006/main">
   <p:cSld>
     <p:spTree>
@@ -15000,7 +15366,7 @@
             </a:pPr>
             <a:fld id="{00000000-1234-1234-1234-123412341234}" type="slidenum">
               <a:rPr lang="en-US"/>
-              <a:t>21</a:t>
+              <a:t>23</a:t>
             </a:fld>
             <a:endParaRPr/>
           </a:p>
@@ -15938,7 +16304,7 @@
 </p:sld>
 </file>
 
-<file path=ppt/slides/slide22.xml><?xml version="1.0" encoding="utf-8"?>
+<file path=ppt/slides/slide24.xml><?xml version="1.0" encoding="utf-8"?>
 <p:sld xmlns:a="http://schemas.openxmlformats.org/drawingml/2006/main" xmlns:r="http://schemas.openxmlformats.org/officeDocument/2006/relationships" xmlns:p="http://schemas.openxmlformats.org/presentationml/2006/main">
   <p:cSld>
     <p:spTree>
@@ -16141,7 +16507,7 @@
             </a:pPr>
             <a:fld id="{00000000-1234-1234-1234-123412341234}" type="slidenum">
               <a:rPr lang="en-US"/>
-              <a:t>22</a:t>
+              <a:t>24</a:t>
             </a:fld>
             <a:endParaRPr/>
           </a:p>
@@ -16563,7 +16929,7 @@
 </p:sld>
 </file>
 
-<file path=ppt/slides/slide23.xml><?xml version="1.0" encoding="utf-8"?>
+<file path=ppt/slides/slide25.xml><?xml version="1.0" encoding="utf-8"?>
 <p:sld xmlns:a="http://schemas.openxmlformats.org/drawingml/2006/main" xmlns:r="http://schemas.openxmlformats.org/officeDocument/2006/relationships" xmlns:p="http://schemas.openxmlformats.org/presentationml/2006/main">
   <p:cSld>
     <p:spTree>
@@ -16824,7 +17190,7 @@
             </a:pPr>
             <a:fld id="{00000000-1234-1234-1234-123412341234}" type="slidenum">
               <a:rPr lang="en-US"/>
-              <a:t>23</a:t>
+              <a:t>25</a:t>
             </a:fld>
             <a:endParaRPr/>
           </a:p>
@@ -16843,7 +17209,7 @@
 </p:sld>
 </file>
 
-<file path=ppt/slides/slide24.xml><?xml version="1.0" encoding="utf-8"?>
+<file path=ppt/slides/slide26.xml><?xml version="1.0" encoding="utf-8"?>
 <p:sld xmlns:a="http://schemas.openxmlformats.org/drawingml/2006/main" xmlns:r="http://schemas.openxmlformats.org/officeDocument/2006/relationships" xmlns:p="http://schemas.openxmlformats.org/presentationml/2006/main">
   <p:cSld>
     <p:spTree>
@@ -16910,7 +17276,7 @@
           <a:p>
             <a:fld id="{AA0EB1BB-D2B3-481B-A5E1-F093F8D3CD29}" type="slidenum">
               <a:rPr lang="en-US" smtClean="0"/>
-              <a:t>24</a:t>
+              <a:t>26</a:t>
             </a:fld>
             <a:endParaRPr lang="en-US"/>
           </a:p>
@@ -16933,7 +17299,7 @@
           <a:p>
             <a:fld id="{93A792C4-C320-43A2-8ECE-CE47FEC71D10}" type="datetime1">
               <a:rPr lang="ko-KR" altLang="en-US" smtClean="0"/>
-              <a:t>2019-06-09</a:t>
+              <a:t>2019-06-10</a:t>
             </a:fld>
             <a:endParaRPr lang="en-US"/>
           </a:p>
@@ -17082,13 +17448,7 @@
               <a:rPr lang="en-US">
                 <a:hlinkClick r:id="rId3"/>
               </a:rPr>
-              <a:t>://</a:t>
-            </a:r>
-            <a:r>
-              <a:rPr lang="en-US">
-                <a:hlinkClick r:id="rId3"/>
-              </a:rPr>
-              <a:t>docs.emlid.com/navio2</a:t>
+              <a:t>://docs.emlid.com/navio2</a:t>
             </a:r>
             <a:r>
               <a:rPr lang="en-US" smtClean="0">
@@ -17096,11 +17456,84 @@
               </a:rPr>
               <a:t>/</a:t>
             </a:r>
+            <a:endParaRPr lang="en-US"/>
+          </a:p>
+          <a:p>
             <a:r>
               <a:rPr lang="en-US" smtClean="0"/>
-              <a:t> </a:t>
-            </a:r>
-            <a:endParaRPr lang="en-US"/>
+              <a:t>What is NAVIO2?</a:t>
+            </a:r>
+          </a:p>
+          <a:p>
+            <a:pPr lvl="1"/>
+            <a:r>
+              <a:rPr lang="en-US"/>
+              <a:t>Autopilot </a:t>
+            </a:r>
+            <a:r>
+              <a:rPr lang="en-US" smtClean="0"/>
+              <a:t>HAT(</a:t>
+            </a:r>
+            <a:r>
+              <a:rPr lang="en-US"/>
+              <a:t>Hardware Attached on </a:t>
+            </a:r>
+            <a:r>
+              <a:rPr lang="en-US" smtClean="0"/>
+              <a:t>Top) </a:t>
+            </a:r>
+            <a:r>
+              <a:rPr lang="en-US"/>
+              <a:t>for Raspberry </a:t>
+            </a:r>
+            <a:r>
+              <a:rPr lang="en-US" smtClean="0"/>
+              <a:t>Pi</a:t>
+            </a:r>
+          </a:p>
+          <a:p>
+            <a:pPr lvl="1"/>
+            <a:r>
+              <a:rPr lang="en-US" smtClean="0"/>
+              <a:t>Powered </a:t>
+            </a:r>
+            <a:r>
+              <a:rPr lang="en-US"/>
+              <a:t>by ArduPilot and </a:t>
+            </a:r>
+            <a:r>
+              <a:rPr lang="en-US" smtClean="0"/>
+              <a:t>ROS</a:t>
+            </a:r>
+          </a:p>
+          <a:p>
+            <a:pPr lvl="1"/>
+            <a:r>
+              <a:rPr lang="en-US" smtClean="0"/>
+              <a:t>Supports PX4</a:t>
+            </a:r>
+          </a:p>
+          <a:p>
+            <a:pPr lvl="1"/>
+            <a:r>
+              <a:rPr lang="en-US" smtClean="0"/>
+              <a:t>$ 168</a:t>
+            </a:r>
+          </a:p>
+          <a:p>
+            <a:pPr lvl="1"/>
+            <a:r>
+              <a:rPr lang="en-US"/>
+              <a:t>Turn your Raspberry Pi</a:t>
+            </a:r>
+            <a:r>
+              <a:rPr lang="en-US" smtClean="0"/>
+              <a:t>® into </a:t>
+            </a:r>
+            <a:r>
+              <a:rPr lang="en-US"/>
+              <a:t>a drone controller</a:t>
+            </a:r>
           </a:p>
           <a:p>
             <a:endParaRPr lang="en-US"/>
@@ -17130,7 +17563,7 @@
           <a:p>
             <a:fld id="{EAE9C953-F340-4663-A197-CCE7263E45BC}" type="datetime1">
               <a:rPr lang="ko-KR" altLang="en-US" smtClean="0"/>
-              <a:t>2019-06-09</a:t>
+              <a:t>2019-06-10</a:t>
             </a:fld>
             <a:endParaRPr lang="en-US"/>
           </a:p>
@@ -17182,6 +17615,47 @@
           </a:p>
         </p:txBody>
       </p:sp>
+      <p:pic>
+        <p:nvPicPr>
+          <p:cNvPr id="3076" name="Picture 4" descr="Emlid Navio2 â Raspberry Pi autopilot HAT powered by ArduPilot &amp; ROS"/>
+          <p:cNvPicPr>
+            <a:picLocks noChangeAspect="1" noChangeArrowheads="1"/>
+          </p:cNvPicPr>
+          <p:nvPr/>
+        </p:nvPicPr>
+        <p:blipFill>
+          <a:blip r:embed="rId4">
+            <a:extLst>
+              <a:ext uri="{28A0092B-C50C-407E-A947-70E740481C1C}">
+                <a14:useLocalDpi xmlns:a14="http://schemas.microsoft.com/office/drawing/2010/main" val="0"/>
+              </a:ext>
+            </a:extLst>
+          </a:blip>
+          <a:srcRect/>
+          <a:stretch>
+            <a:fillRect/>
+          </a:stretch>
+        </p:blipFill>
+        <p:spPr bwMode="auto">
+          <a:xfrm rot="16200000">
+            <a:off x="6531505" y="-179933"/>
+            <a:ext cx="2789018" cy="3642799"/>
+          </a:xfrm>
+          <a:prstGeom prst="rect">
+            <a:avLst/>
+          </a:prstGeom>
+          <a:noFill/>
+          <a:extLst>
+            <a:ext uri="{909E8E84-426E-40DD-AFC4-6F175D3DCCD1}">
+              <a14:hiddenFill xmlns:a14="http://schemas.microsoft.com/office/drawing/2010/main">
+                <a:solidFill>
+                  <a:srgbClr val="FFFFFF"/>
+                </a:solidFill>
+              </a14:hiddenFill>
+            </a:ext>
+          </a:extLst>
+        </p:spPr>
+      </p:pic>
     </p:spTree>
     <p:extLst>
       <p:ext uri="{BB962C8B-B14F-4D97-AF65-F5344CB8AC3E}">
@@ -17257,21 +17731,6 @@
           <a:lstStyle/>
           <a:p>
             <a:r>
-              <a:rPr lang="ko-KR" altLang="en-US" smtClean="0"/>
-              <a:t>가격 </a:t>
-            </a:r>
-            <a:r>
-              <a:rPr lang="en-US" altLang="ko-KR" smtClean="0"/>
-              <a:t>: 25</a:t>
-            </a:r>
-            <a:r>
-              <a:rPr lang="ko-KR" altLang="en-US" smtClean="0"/>
-              <a:t>만원</a:t>
-            </a:r>
-            <a:endParaRPr lang="en-US" smtClean="0"/>
-          </a:p>
-          <a:p>
-            <a:r>
               <a:rPr lang="en-US" smtClean="0"/>
               <a:t>GNSS </a:t>
             </a:r>
@@ -17284,11 +17743,7 @@
             <a:pPr lvl="1"/>
             <a:r>
               <a:rPr lang="en-US"/>
-              <a:t>Tracks GPS, GLONASS, Beidou, Galileo and SBAS satellites. External antenna with </a:t>
-            </a:r>
-            <a:r>
-              <a:rPr lang="en-US"/>
-              <a:t>MCX </a:t>
+              <a:t>Tracks GPS, GLONASS, Beidou, Galileo and SBAS satellites. External antenna with MCX </a:t>
             </a:r>
             <a:r>
               <a:rPr lang="en-US" smtClean="0"/>
@@ -17313,11 +17768,7 @@
             </a:r>
             <a:r>
               <a:rPr lang="en-US"/>
-              <a:t>, gyroscopes and magnetometers for orientation and </a:t>
-            </a:r>
-            <a:r>
-              <a:rPr lang="en-US"/>
-              <a:t>motion </a:t>
+              <a:t>, gyroscopes and magnetometers for orientation and motion </a:t>
             </a:r>
             <a:r>
               <a:rPr lang="en-US" smtClean="0"/>
@@ -17327,11 +17778,7 @@
           <a:p>
             <a:r>
               <a:rPr lang="en-US"/>
-              <a:t>RC </a:t>
-            </a:r>
-            <a:r>
-              <a:rPr lang="en-US"/>
-              <a:t>I/O </a:t>
+              <a:t>RC I/O </a:t>
             </a:r>
             <a:r>
               <a:rPr lang="en-US" smtClean="0"/>
@@ -17346,11 +17793,7 @@
             </a:r>
             <a:r>
               <a:rPr lang="en-US"/>
-              <a:t>PPM/SBUS input and provides 14 PWM output channels for motors </a:t>
-            </a:r>
-            <a:r>
-              <a:rPr lang="en-US"/>
-              <a:t>and </a:t>
+              <a:t>PPM/SBUS input and provides 14 PWM output channels for motors and </a:t>
             </a:r>
             <a:r>
               <a:rPr lang="en-US" smtClean="0"/>
@@ -17360,11 +17803,7 @@
           <a:p>
             <a:r>
               <a:rPr lang="en-US"/>
-              <a:t>High </a:t>
-            </a:r>
-            <a:r>
-              <a:rPr lang="en-US"/>
-              <a:t>resolution </a:t>
+              <a:t>High resolution </a:t>
             </a:r>
             <a:r>
               <a:rPr lang="en-US" smtClean="0"/>
@@ -17379,11 +17818,7 @@
             </a:r>
             <a:r>
               <a:rPr lang="en-US"/>
-              <a:t>altitude with 10 </a:t>
-            </a:r>
-            <a:r>
-              <a:rPr lang="en-US"/>
-              <a:t>cm </a:t>
+              <a:t>altitude with 10 cm </a:t>
             </a:r>
             <a:r>
               <a:rPr lang="en-US" smtClean="0"/>
@@ -17408,11 +17843,7 @@
             </a:r>
             <a:r>
               <a:rPr lang="en-US"/>
-              <a:t>ADC, I2C and UART interfaces for sensors </a:t>
-            </a:r>
-            <a:r>
-              <a:rPr lang="en-US"/>
-              <a:t>and </a:t>
+              <a:t>ADC, I2C and UART interfaces for sensors and </a:t>
             </a:r>
             <a:r>
               <a:rPr lang="en-US" smtClean="0"/>
@@ -17422,11 +17853,7 @@
           <a:p>
             <a:r>
               <a:rPr lang="en-US"/>
-              <a:t>Triple redundant </a:t>
-            </a:r>
-            <a:r>
-              <a:rPr lang="en-US"/>
-              <a:t>power </a:t>
+              <a:t>Triple redundant power </a:t>
             </a:r>
             <a:r>
               <a:rPr lang="en-US" smtClean="0"/>
@@ -17441,11 +17868,7 @@
             </a:r>
             <a:r>
               <a:rPr lang="en-US"/>
-              <a:t>overvoltage protection and power module port for voltage and </a:t>
-            </a:r>
-            <a:r>
-              <a:rPr lang="en-US"/>
-              <a:t>current </a:t>
+              <a:t>overvoltage protection and power module port for voltage and current </a:t>
             </a:r>
             <a:r>
               <a:rPr lang="en-US" smtClean="0"/>
@@ -17472,7 +17895,7 @@
           <a:p>
             <a:fld id="{EAE9C953-F340-4663-A197-CCE7263E45BC}" type="datetime1">
               <a:rPr lang="ko-KR" altLang="en-US" smtClean="0"/>
-              <a:t>2019-06-09</a:t>
+              <a:t>2019-06-10</a:t>
             </a:fld>
             <a:endParaRPr lang="en-US"/>
           </a:p>
@@ -17547,8 +17970,8 @@
         </p:blipFill>
         <p:spPr bwMode="auto">
           <a:xfrm rot="2296719">
-            <a:off x="6065867" y="-22384"/>
-            <a:ext cx="3156035" cy="1998822"/>
+            <a:off x="5633254" y="-330279"/>
+            <a:ext cx="4078801" cy="2583240"/>
           </a:xfrm>
           <a:prstGeom prst="rect">
             <a:avLst/>
@@ -17653,11 +18076,7 @@
           <a:p>
             <a:r>
               <a:rPr lang="en-US"/>
-              <a:t>This is a Raspbian you know with ArduPilot and </a:t>
-            </a:r>
-            <a:r>
-              <a:rPr lang="en-US"/>
-              <a:t>ROS </a:t>
+              <a:t>This is a Raspbian you know with ArduPilot and ROS </a:t>
             </a:r>
             <a:r>
               <a:rPr lang="en-US" smtClean="0"/>
@@ -17665,11 +18084,7 @@
             </a:r>
             <a:r>
               <a:rPr lang="en-US"/>
-              <a:t>ready to run with a couple of simple </a:t>
-            </a:r>
-            <a:r>
-              <a:rPr lang="en-US"/>
-              <a:t>commands</a:t>
+              <a:t>ready to run with a couple of simple commands</a:t>
             </a:r>
             <a:r>
               <a:rPr lang="en-US" smtClean="0"/>
@@ -17699,7 +18114,7 @@
           <a:p>
             <a:fld id="{EAE9C953-F340-4663-A197-CCE7263E45BC}" type="datetime1">
               <a:rPr lang="ko-KR" altLang="en-US" smtClean="0"/>
-              <a:t>2019-06-09</a:t>
+              <a:t>2019-06-10</a:t>
             </a:fld>
             <a:endParaRPr lang="en-US"/>
           </a:p>
@@ -17760,7 +18175,7 @@
           <p:nvPr/>
         </p:nvPicPr>
         <p:blipFill>
-          <a:blip r:embed="rId3"/>
+          <a:blip r:embed="rId2"/>
           <a:stretch>
             <a:fillRect/>
           </a:stretch>
@@ -17784,7 +18199,7 @@
           <p:nvPr/>
         </p:nvPicPr>
         <p:blipFill>
-          <a:blip r:embed="rId4"/>
+          <a:blip r:embed="rId3"/>
           <a:stretch>
             <a:fillRect/>
           </a:stretch>
@@ -17797,6 +18212,47 @@
           <a:prstGeom prst="rect">
             <a:avLst/>
           </a:prstGeom>
+        </p:spPr>
+      </p:pic>
+      <p:pic>
+        <p:nvPicPr>
+          <p:cNvPr id="2055" name="Picture 7" descr="ArduPilot logo"/>
+          <p:cNvPicPr>
+            <a:picLocks noChangeAspect="1" noChangeArrowheads="1"/>
+          </p:cNvPicPr>
+          <p:nvPr/>
+        </p:nvPicPr>
+        <p:blipFill>
+          <a:blip r:embed="rId4">
+            <a:extLst>
+              <a:ext uri="{28A0092B-C50C-407E-A947-70E740481C1C}">
+                <a14:useLocalDpi xmlns:a14="http://schemas.microsoft.com/office/drawing/2010/main" val="0"/>
+              </a:ext>
+            </a:extLst>
+          </a:blip>
+          <a:srcRect/>
+          <a:stretch>
+            <a:fillRect/>
+          </a:stretch>
+        </p:blipFill>
+        <p:spPr bwMode="auto">
+          <a:xfrm>
+            <a:off x="0" y="0"/>
+            <a:ext cx="2486025" cy="390525"/>
+          </a:xfrm>
+          <a:prstGeom prst="rect">
+            <a:avLst/>
+          </a:prstGeom>
+          <a:noFill/>
+          <a:extLst>
+            <a:ext uri="{909E8E84-426E-40DD-AFC4-6F175D3DCCD1}">
+              <a14:hiddenFill xmlns:a14="http://schemas.microsoft.com/office/drawing/2010/main">
+                <a:solidFill>
+                  <a:srgbClr val="FFFFFF"/>
+                </a:solidFill>
+              </a14:hiddenFill>
+            </a:ext>
+          </a:extLst>
         </p:spPr>
       </p:pic>
     </p:spTree>
@@ -17896,7 +18352,7 @@
           <a:p>
             <a:fld id="{CB251830-6212-4CA9-A1A3-4280ABBDDAB8}" type="datetime1">
               <a:rPr lang="ko-KR" altLang="en-US" smtClean="0"/>
-              <a:t>2019-06-09</a:t>
+              <a:t>2019-06-10</a:t>
             </a:fld>
             <a:endParaRPr lang="en-US"/>
           </a:p>
@@ -17966,6 +18422,286 @@
   <p:cSld>
     <p:spTree>
       <p:nvGrpSpPr>
+        <p:cNvPr id="1" name="Shape 153"/>
+        <p:cNvGrpSpPr/>
+        <p:nvPr/>
+      </p:nvGrpSpPr>
+      <p:grpSpPr>
+        <a:xfrm>
+          <a:off x="0" y="0"/>
+          <a:ext cx="0" cy="0"/>
+          <a:chOff x="0" y="0"/>
+          <a:chExt cx="0" cy="0"/>
+        </a:xfrm>
+      </p:grpSpPr>
+      <p:sp>
+        <p:nvSpPr>
+          <p:cNvPr id="154" name="Google Shape;154;p9"/>
+          <p:cNvSpPr txBox="1">
+            <a:spLocks noGrp="1"/>
+          </p:cNvSpPr>
+          <p:nvPr>
+            <p:ph type="title"/>
+          </p:nvPr>
+        </p:nvSpPr>
+        <p:spPr>
+          <a:xfrm>
+            <a:off x="681038" y="365128"/>
+            <a:ext cx="8543925" cy="722414"/>
+          </a:xfrm>
+          <a:prstGeom prst="rect">
+            <a:avLst/>
+          </a:prstGeom>
+          <a:noFill/>
+          <a:ln>
+            <a:noFill/>
+          </a:ln>
+        </p:spPr>
+        <p:txBody>
+          <a:bodyPr spcFirstLastPara="1" wrap="square" lIns="91425" tIns="45700" rIns="91425" bIns="45700" anchor="ctr" anchorCtr="0">
+            <a:normAutofit/>
+          </a:bodyPr>
+          <a:lstStyle/>
+          <a:p>
+            <a:pPr marL="0" lvl="0" indent="0" algn="l" rtl="0">
+              <a:lnSpc>
+                <a:spcPct val="90000"/>
+              </a:lnSpc>
+              <a:spcBef>
+                <a:spcPts val="0"/>
+              </a:spcBef>
+              <a:spcAft>
+                <a:spcPts val="0"/>
+              </a:spcAft>
+              <a:buClr>
+                <a:schemeClr val="dk1"/>
+              </a:buClr>
+              <a:buSzPts val="4400"/>
+              <a:buFont typeface="Times New Roman"/>
+              <a:buNone/>
+            </a:pPr>
+            <a:r>
+              <a:rPr lang="en-US"/>
+              <a:t>NAVIO2 드론 조립 예</a:t>
+            </a:r>
+            <a:endParaRPr/>
+          </a:p>
+        </p:txBody>
+      </p:sp>
+      <p:sp>
+        <p:nvSpPr>
+          <p:cNvPr id="155" name="Google Shape;155;p9"/>
+          <p:cNvSpPr txBox="1">
+            <a:spLocks noGrp="1"/>
+          </p:cNvSpPr>
+          <p:nvPr>
+            <p:ph type="body" idx="1"/>
+          </p:nvPr>
+        </p:nvSpPr>
+        <p:spPr>
+          <a:xfrm>
+            <a:off x="681038" y="1255271"/>
+            <a:ext cx="8543925" cy="4921692"/>
+          </a:xfrm>
+          <a:prstGeom prst="rect">
+            <a:avLst/>
+          </a:prstGeom>
+          <a:noFill/>
+          <a:ln>
+            <a:noFill/>
+          </a:ln>
+        </p:spPr>
+        <p:txBody>
+          <a:bodyPr spcFirstLastPara="1" wrap="square" lIns="91425" tIns="45700" rIns="91425" bIns="45700" anchor="t" anchorCtr="0">
+            <a:normAutofit/>
+          </a:bodyPr>
+          <a:lstStyle/>
+          <a:p>
+            <a:pPr marL="514350" lvl="0" indent="-514350" algn="l" rtl="0">
+              <a:lnSpc>
+                <a:spcPct val="100000"/>
+              </a:lnSpc>
+              <a:spcBef>
+                <a:spcPts val="0"/>
+              </a:spcBef>
+              <a:spcAft>
+                <a:spcPts val="0"/>
+              </a:spcAft>
+              <a:buClr>
+                <a:schemeClr val="dk1"/>
+              </a:buClr>
+              <a:buSzPts val="2800"/>
+              <a:buAutoNum type="arabicPeriod"/>
+            </a:pPr>
+            <a:r>
+              <a:rPr lang="en-US" u="sng">
+                <a:solidFill>
+                  <a:schemeClr val="hlink"/>
+                </a:solidFill>
+                <a:hlinkClick r:id="rId3"/>
+              </a:rPr>
+              <a:t>https://community.emlid.com/t/first-build-quadcopter-autonomous-drone-rpi-3-b-navio2/12597</a:t>
+            </a:r>
+            <a:endParaRPr/>
+          </a:p>
+        </p:txBody>
+      </p:sp>
+      <p:sp>
+        <p:nvSpPr>
+          <p:cNvPr id="156" name="Google Shape;156;p9"/>
+          <p:cNvSpPr txBox="1">
+            <a:spLocks noGrp="1"/>
+          </p:cNvSpPr>
+          <p:nvPr>
+            <p:ph type="dt" idx="10"/>
+          </p:nvPr>
+        </p:nvSpPr>
+        <p:spPr>
+          <a:xfrm>
+            <a:off x="681038" y="6356352"/>
+            <a:ext cx="1162418" cy="365125"/>
+          </a:xfrm>
+          <a:prstGeom prst="rect">
+            <a:avLst/>
+          </a:prstGeom>
+          <a:noFill/>
+          <a:ln>
+            <a:noFill/>
+          </a:ln>
+        </p:spPr>
+        <p:txBody>
+          <a:bodyPr spcFirstLastPara="1" wrap="square" lIns="91425" tIns="45700" rIns="91425" bIns="45700" anchor="ctr" anchorCtr="0">
+            <a:noAutofit/>
+          </a:bodyPr>
+          <a:lstStyle/>
+          <a:p>
+            <a:pPr marL="0" lvl="0" indent="0" algn="l" rtl="0">
+              <a:spcBef>
+                <a:spcPts val="0"/>
+              </a:spcBef>
+              <a:spcAft>
+                <a:spcPts val="0"/>
+              </a:spcAft>
+              <a:buNone/>
+            </a:pPr>
+            <a:r>
+              <a:rPr lang="en-US"/>
+              <a:t>2019-05-30</a:t>
+            </a:r>
+            <a:endParaRPr/>
+          </a:p>
+        </p:txBody>
+      </p:sp>
+      <p:sp>
+        <p:nvSpPr>
+          <p:cNvPr id="157" name="Google Shape;157;p9"/>
+          <p:cNvSpPr txBox="1">
+            <a:spLocks noGrp="1"/>
+          </p:cNvSpPr>
+          <p:nvPr>
+            <p:ph type="ftr" idx="11"/>
+          </p:nvPr>
+        </p:nvSpPr>
+        <p:spPr>
+          <a:xfrm>
+            <a:off x="3281363" y="6356352"/>
+            <a:ext cx="3343275" cy="365125"/>
+          </a:xfrm>
+          <a:prstGeom prst="rect">
+            <a:avLst/>
+          </a:prstGeom>
+          <a:noFill/>
+          <a:ln>
+            <a:noFill/>
+          </a:ln>
+        </p:spPr>
+        <p:txBody>
+          <a:bodyPr spcFirstLastPara="1" wrap="square" lIns="91425" tIns="45700" rIns="91425" bIns="45700" anchor="ctr" anchorCtr="0">
+            <a:noAutofit/>
+          </a:bodyPr>
+          <a:lstStyle/>
+          <a:p>
+            <a:pPr marL="0" lvl="0" indent="0" algn="ctr" rtl="0">
+              <a:spcBef>
+                <a:spcPts val="0"/>
+              </a:spcBef>
+              <a:spcAft>
+                <a:spcPts val="0"/>
+              </a:spcAft>
+              <a:buNone/>
+            </a:pPr>
+            <a:r>
+              <a:rPr lang="en-US"/>
+              <a:t>지능형 드론 멘토링 과정</a:t>
+            </a:r>
+            <a:endParaRPr/>
+          </a:p>
+        </p:txBody>
+      </p:sp>
+      <p:sp>
+        <p:nvSpPr>
+          <p:cNvPr id="158" name="Google Shape;158;p9"/>
+          <p:cNvSpPr txBox="1">
+            <a:spLocks noGrp="1"/>
+          </p:cNvSpPr>
+          <p:nvPr>
+            <p:ph type="sldNum" idx="12"/>
+          </p:nvPr>
+        </p:nvSpPr>
+        <p:spPr>
+          <a:xfrm>
+            <a:off x="8739554" y="6356352"/>
+            <a:ext cx="485408" cy="365125"/>
+          </a:xfrm>
+          <a:prstGeom prst="rect">
+            <a:avLst/>
+          </a:prstGeom>
+          <a:noFill/>
+          <a:ln>
+            <a:noFill/>
+          </a:ln>
+        </p:spPr>
+        <p:txBody>
+          <a:bodyPr spcFirstLastPara="1" wrap="square" lIns="91425" tIns="45700" rIns="91425" bIns="45700" anchor="ctr" anchorCtr="0">
+            <a:noAutofit/>
+          </a:bodyPr>
+          <a:lstStyle/>
+          <a:p>
+            <a:pPr marL="0" lvl="0" indent="0" algn="r" rtl="0">
+              <a:spcBef>
+                <a:spcPts val="0"/>
+              </a:spcBef>
+              <a:spcAft>
+                <a:spcPts val="0"/>
+              </a:spcAft>
+              <a:buNone/>
+            </a:pPr>
+            <a:fld id="{00000000-1234-1234-1234-123412341234}" type="slidenum">
+              <a:rPr lang="en-US"/>
+              <a:t>7</a:t>
+            </a:fld>
+            <a:endParaRPr/>
+          </a:p>
+        </p:txBody>
+      </p:sp>
+    </p:spTree>
+    <p:extLst>
+      <p:ext uri="{BB962C8B-B14F-4D97-AF65-F5344CB8AC3E}">
+        <p14:creationId xmlns:p14="http://schemas.microsoft.com/office/powerpoint/2010/main" val="3124841860"/>
+      </p:ext>
+    </p:extLst>
+  </p:cSld>
+  <p:clrMapOvr>
+    <a:masterClrMapping/>
+  </p:clrMapOvr>
+</p:sld>
+</file>
+
+<file path=ppt/slides/slide8.xml><?xml version="1.0" encoding="utf-8"?>
+<p:sld xmlns:a="http://schemas.openxmlformats.org/drawingml/2006/main" xmlns:r="http://schemas.openxmlformats.org/officeDocument/2006/relationships" xmlns:p="http://schemas.openxmlformats.org/presentationml/2006/main">
+  <p:cSld>
+    <p:spTree>
+      <p:nvGrpSpPr>
         <p:cNvPr id="1" name=""/>
         <p:cNvGrpSpPr/>
         <p:nvPr/>
@@ -18039,13 +18775,7 @@
               <a:rPr lang="en-US">
                 <a:hlinkClick r:id="rId2"/>
               </a:rPr>
-              <a:t>https://</a:t>
-            </a:r>
-            <a:r>
-              <a:rPr lang="en-US">
-                <a:hlinkClick r:id="rId2"/>
-              </a:rPr>
-              <a:t>docs.emlid.com/navio2</a:t>
+              <a:t>https://docs.emlid.com/navio2</a:t>
             </a:r>
             <a:r>
               <a:rPr lang="en-US" smtClean="0">
@@ -18073,11 +18803,7 @@
             </a:r>
             <a:r>
               <a:rPr lang="en-US"/>
-              <a:t>POWER SOURCES SHOULD PROVIDE VOLTAGE IN 4.8-5.3V RANGE, OTHERWISE YOU CAN DAMAGE YOUR NAVIO2 AND RASPBERRY </a:t>
-            </a:r>
-            <a:r>
-              <a:rPr lang="en-US"/>
-              <a:t>PI</a:t>
+              <a:t>POWER SOURCES SHOULD PROVIDE VOLTAGE IN 4.8-5.3V RANGE, OTHERWISE YOU CAN DAMAGE YOUR NAVIO2 AND RASPBERRY PI</a:t>
             </a:r>
             <a:r>
               <a:rPr lang="en-US" smtClean="0"/>
@@ -18119,7 +18845,7 @@
           <a:p>
             <a:fld id="{EAE9C953-F340-4663-A197-CCE7263E45BC}" type="datetime1">
               <a:rPr lang="ko-KR" altLang="en-US" smtClean="0"/>
-              <a:t>2019-06-09</a:t>
+              <a:t>2019-06-10</a:t>
             </a:fld>
             <a:endParaRPr lang="en-US"/>
           </a:p>
@@ -18165,7 +18891,7 @@
           <a:p>
             <a:fld id="{AA0EB1BB-D2B3-481B-A5E1-F093F8D3CD29}" type="slidenum">
               <a:rPr lang="en-US" smtClean="0"/>
-              <a:t>7</a:t>
+              <a:t>8</a:t>
             </a:fld>
             <a:endParaRPr lang="en-US"/>
           </a:p>
@@ -18208,7 +18934,7 @@
 </p:sld>
 </file>
 
-<file path=ppt/slides/slide8.xml><?xml version="1.0" encoding="utf-8"?>
+<file path=ppt/slides/slide9.xml><?xml version="1.0" encoding="utf-8"?>
 <p:sld xmlns:a="http://schemas.openxmlformats.org/drawingml/2006/main" xmlns:r="http://schemas.openxmlformats.org/officeDocument/2006/relationships" xmlns:p="http://schemas.openxmlformats.org/presentationml/2006/main">
   <p:cSld>
     <p:spTree>
@@ -18278,11 +19004,7 @@
           <a:p>
             <a:r>
               <a:rPr lang="en-US"/>
-              <a:t>Navio2 should be powered by a power module connected to the “POWER” port </a:t>
-            </a:r>
-            <a:r>
-              <a:rPr lang="en-US"/>
-              <a:t>on </a:t>
+              <a:t>Navio2 should be powered by a power module connected to the “POWER” port on </a:t>
             </a:r>
             <a:r>
               <a:rPr lang="en-US" smtClean="0"/>
@@ -18318,7 +19040,7 @@
           <a:p>
             <a:fld id="{EAE9C953-F340-4663-A197-CCE7263E45BC}" type="datetime1">
               <a:rPr lang="ko-KR" altLang="en-US" smtClean="0"/>
-              <a:t>2019-06-09</a:t>
+              <a:t>2019-06-10</a:t>
             </a:fld>
             <a:endParaRPr lang="en-US"/>
           </a:p>
@@ -18364,7 +19086,7 @@
           <a:p>
             <a:fld id="{AA0EB1BB-D2B3-481B-A5E1-F093F8D3CD29}" type="slidenum">
               <a:rPr lang="en-US" smtClean="0"/>
-              <a:t>8</a:t>
+              <a:t>9</a:t>
             </a:fld>
             <a:endParaRPr lang="en-US"/>
           </a:p>
@@ -18398,158 +19120,6 @@
     <p:extLst>
       <p:ext uri="{BB962C8B-B14F-4D97-AF65-F5344CB8AC3E}">
         <p14:creationId xmlns:p14="http://schemas.microsoft.com/office/powerpoint/2010/main" val="3570004381"/>
-      </p:ext>
-    </p:extLst>
-  </p:cSld>
-  <p:clrMapOvr>
-    <a:masterClrMapping/>
-  </p:clrMapOvr>
-</p:sld>
-</file>
-
-<file path=ppt/slides/slide9.xml><?xml version="1.0" encoding="utf-8"?>
-<p:sld xmlns:a="http://schemas.openxmlformats.org/drawingml/2006/main" xmlns:r="http://schemas.openxmlformats.org/officeDocument/2006/relationships" xmlns:p="http://schemas.openxmlformats.org/presentationml/2006/main">
-  <p:cSld>
-    <p:spTree>
-      <p:nvGrpSpPr>
-        <p:cNvPr id="1" name=""/>
-        <p:cNvGrpSpPr/>
-        <p:nvPr/>
-      </p:nvGrpSpPr>
-      <p:grpSpPr>
-        <a:xfrm>
-          <a:off x="0" y="0"/>
-          <a:ext cx="0" cy="0"/>
-          <a:chOff x="0" y="0"/>
-          <a:chExt cx="0" cy="0"/>
-        </a:xfrm>
-      </p:grpSpPr>
-      <p:sp>
-        <p:nvSpPr>
-          <p:cNvPr id="2" name="제목 1"/>
-          <p:cNvSpPr>
-            <a:spLocks noGrp="1"/>
-          </p:cNvSpPr>
-          <p:nvPr>
-            <p:ph type="title"/>
-          </p:nvPr>
-        </p:nvSpPr>
-        <p:spPr/>
-        <p:txBody>
-          <a:bodyPr/>
-          <a:lstStyle/>
-          <a:p>
-            <a:r>
-              <a:rPr lang="en-US" smtClean="0"/>
-              <a:t>GPS </a:t>
-            </a:r>
-            <a:r>
-              <a:rPr lang="ko-KR" altLang="en-US" smtClean="0"/>
-              <a:t>연결</a:t>
-            </a:r>
-            <a:endParaRPr lang="en-US"/>
-          </a:p>
-        </p:txBody>
-      </p:sp>
-      <p:pic>
-        <p:nvPicPr>
-          <p:cNvPr id="7" name="내용 개체 틀 6"/>
-          <p:cNvPicPr>
-            <a:picLocks noGrp="1" noChangeAspect="1"/>
-          </p:cNvPicPr>
-          <p:nvPr>
-            <p:ph idx="1"/>
-          </p:nvPr>
-        </p:nvPicPr>
-        <p:blipFill>
-          <a:blip r:embed="rId2"/>
-          <a:stretch>
-            <a:fillRect/>
-          </a:stretch>
-        </p:blipFill>
-        <p:spPr>
-          <a:xfrm>
-            <a:off x="2376128" y="2011125"/>
-            <a:ext cx="5153744" cy="3410426"/>
-          </a:xfrm>
-          <a:prstGeom prst="rect">
-            <a:avLst/>
-          </a:prstGeom>
-        </p:spPr>
-      </p:pic>
-      <p:sp>
-        <p:nvSpPr>
-          <p:cNvPr id="4" name="날짜 개체 틀 3"/>
-          <p:cNvSpPr>
-            <a:spLocks noGrp="1"/>
-          </p:cNvSpPr>
-          <p:nvPr>
-            <p:ph type="dt" sz="half" idx="10"/>
-          </p:nvPr>
-        </p:nvSpPr>
-        <p:spPr/>
-        <p:txBody>
-          <a:bodyPr/>
-          <a:lstStyle/>
-          <a:p>
-            <a:fld id="{EAE9C953-F340-4663-A197-CCE7263E45BC}" type="datetime1">
-              <a:rPr lang="ko-KR" altLang="en-US" smtClean="0"/>
-              <a:t>2019-06-09</a:t>
-            </a:fld>
-            <a:endParaRPr lang="en-US"/>
-          </a:p>
-        </p:txBody>
-      </p:sp>
-      <p:sp>
-        <p:nvSpPr>
-          <p:cNvPr id="5" name="바닥글 개체 틀 4"/>
-          <p:cNvSpPr>
-            <a:spLocks noGrp="1"/>
-          </p:cNvSpPr>
-          <p:nvPr>
-            <p:ph type="ftr" sz="quarter" idx="11"/>
-          </p:nvPr>
-        </p:nvSpPr>
-        <p:spPr/>
-        <p:txBody>
-          <a:bodyPr/>
-          <a:lstStyle/>
-          <a:p>
-            <a:r>
-              <a:rPr lang="ko-KR" altLang="en-US" smtClean="0"/>
-              <a:t>리눅스 시스템 프로그래밍</a:t>
-            </a:r>
-            <a:endParaRPr lang="en-US"/>
-          </a:p>
-        </p:txBody>
-      </p:sp>
-      <p:sp>
-        <p:nvSpPr>
-          <p:cNvPr id="6" name="슬라이드 번호 개체 틀 5"/>
-          <p:cNvSpPr>
-            <a:spLocks noGrp="1"/>
-          </p:cNvSpPr>
-          <p:nvPr>
-            <p:ph type="sldNum" sz="quarter" idx="12"/>
-          </p:nvPr>
-        </p:nvSpPr>
-        <p:spPr/>
-        <p:txBody>
-          <a:bodyPr/>
-          <a:lstStyle/>
-          <a:p>
-            <a:fld id="{AA0EB1BB-D2B3-481B-A5E1-F093F8D3CD29}" type="slidenum">
-              <a:rPr lang="en-US" smtClean="0"/>
-              <a:t>9</a:t>
-            </a:fld>
-            <a:endParaRPr lang="en-US"/>
-          </a:p>
-        </p:txBody>
-      </p:sp>
-    </p:spTree>
-    <p:extLst>
-      <p:ext uri="{BB962C8B-B14F-4D97-AF65-F5344CB8AC3E}">
-        <p14:creationId xmlns:p14="http://schemas.microsoft.com/office/powerpoint/2010/main" val="4071195565"/>
       </p:ext>
     </p:extLst>
   </p:cSld>

--- a/110 매뉴얼/190609 NAVIO 2 드론 제작 V1.1 (1).pptx
+++ b/110 매뉴얼/190609 NAVIO 2 드론 제작 V1.1 (1).pptx
@@ -5,7 +5,7 @@
     <p:sldMasterId id="2147483660" r:id="rId1"/>
   </p:sldMasterIdLst>
   <p:notesMasterIdLst>
-    <p:notesMasterId r:id="rId28"/>
+    <p:notesMasterId r:id="rId29"/>
   </p:notesMasterIdLst>
   <p:sldIdLst>
     <p:sldId id="256" r:id="rId2"/>
@@ -27,13 +27,14 @@
     <p:sldId id="281" r:id="rId18"/>
     <p:sldId id="283" r:id="rId19"/>
     <p:sldId id="284" r:id="rId20"/>
-    <p:sldId id="285" r:id="rId21"/>
-    <p:sldId id="277" r:id="rId22"/>
-    <p:sldId id="268" r:id="rId23"/>
-    <p:sldId id="261" r:id="rId24"/>
-    <p:sldId id="262" r:id="rId25"/>
-    <p:sldId id="265" r:id="rId26"/>
-    <p:sldId id="259" r:id="rId27"/>
+    <p:sldId id="287" r:id="rId21"/>
+    <p:sldId id="285" r:id="rId22"/>
+    <p:sldId id="277" r:id="rId23"/>
+    <p:sldId id="268" r:id="rId24"/>
+    <p:sldId id="261" r:id="rId25"/>
+    <p:sldId id="262" r:id="rId26"/>
+    <p:sldId id="265" r:id="rId27"/>
+    <p:sldId id="259" r:id="rId28"/>
   </p:sldIdLst>
   <p:sldSz cx="9906000" cy="6858000" type="A4"/>
   <p:notesSz cx="6858000" cy="9144000"/>
@@ -7988,7 +7989,7 @@
           <a:p>
             <a:fld id="{60456C2F-1F67-44A5-80B0-9C3A6CA33C82}" type="datetimeFigureOut">
               <a:rPr lang="en-US" smtClean="0"/>
-              <a:t>6/10/2019</a:t>
+              <a:t>6/11/2019</a:t>
             </a:fld>
             <a:endParaRPr lang="en-US"/>
           </a:p>
@@ -8823,7 +8824,7 @@
           <a:p>
             <a:fld id="{C6DFEB83-A204-40B8-B593-81BAB2317EA1}" type="datetime1">
               <a:rPr lang="ko-KR" altLang="en-US" smtClean="0"/>
-              <a:t>2019-06-10</a:t>
+              <a:t>2019-06-11</a:t>
             </a:fld>
             <a:endParaRPr lang="en-US"/>
           </a:p>
@@ -8945,7 +8946,7 @@
           <a:p>
             <a:fld id="{F752EDE3-6E75-4046-9053-6B4E2492D3B0}" type="datetime1">
               <a:rPr lang="ko-KR" altLang="en-US" smtClean="0"/>
-              <a:t>2019-06-10</a:t>
+              <a:t>2019-06-11</a:t>
             </a:fld>
             <a:endParaRPr lang="en-US"/>
           </a:p>
@@ -9092,7 +9093,7 @@
           <a:p>
             <a:fld id="{9B82DC21-AC1D-4040-957D-48228A45CDB7}" type="datetime1">
               <a:rPr lang="ko-KR" altLang="en-US" smtClean="0"/>
-              <a:t>2019-06-10</a:t>
+              <a:t>2019-06-11</a:t>
             </a:fld>
             <a:endParaRPr lang="en-US"/>
           </a:p>
@@ -9266,7 +9267,7 @@
           <a:p>
             <a:fld id="{EAE9C953-F340-4663-A197-CCE7263E45BC}" type="datetime1">
               <a:rPr lang="ko-KR" altLang="en-US" smtClean="0"/>
-              <a:t>2019-06-10</a:t>
+              <a:t>2019-06-11</a:t>
             </a:fld>
             <a:endParaRPr lang="en-US"/>
           </a:p>
@@ -9517,7 +9518,7 @@
           <a:p>
             <a:fld id="{EAE9C953-F340-4663-A197-CCE7263E45BC}" type="datetime1">
               <a:rPr lang="ko-KR" altLang="en-US" smtClean="0"/>
-              <a:t>2019-06-10</a:t>
+              <a:t>2019-06-11</a:t>
             </a:fld>
             <a:endParaRPr lang="en-US"/>
           </a:p>
@@ -9833,7 +9834,7 @@
           <a:p>
             <a:fld id="{890399D1-6C1C-4B03-B08C-60A601F2EFBA}" type="datetime1">
               <a:rPr lang="ko-KR" altLang="en-US" smtClean="0"/>
-              <a:t>2019-06-10</a:t>
+              <a:t>2019-06-11</a:t>
             </a:fld>
             <a:endParaRPr lang="en-US"/>
           </a:p>
@@ -10169,7 +10170,7 @@
           <a:p>
             <a:fld id="{CB251830-6212-4CA9-A1A3-4280ABBDDAB8}" type="datetime1">
               <a:rPr lang="ko-KR" altLang="en-US" smtClean="0"/>
-              <a:t>2019-06-10</a:t>
+              <a:t>2019-06-11</a:t>
             </a:fld>
             <a:endParaRPr lang="en-US"/>
           </a:p>
@@ -10510,7 +10511,7 @@
           <a:p>
             <a:fld id="{CB251830-6212-4CA9-A1A3-4280ABBDDAB8}" type="datetime1">
               <a:rPr lang="ko-KR" altLang="en-US" smtClean="0"/>
-              <a:t>2019-06-10</a:t>
+              <a:t>2019-06-11</a:t>
             </a:fld>
             <a:endParaRPr lang="en-US"/>
           </a:p>
@@ -10789,7 +10790,7 @@
           <a:p>
             <a:fld id="{33C64400-840D-4EE1-8A5A-B5A1894C0565}" type="datetime1">
               <a:rPr lang="ko-KR" altLang="en-US" smtClean="0"/>
-              <a:t>2019-06-10</a:t>
+              <a:t>2019-06-11</a:t>
             </a:fld>
             <a:endParaRPr lang="en-US"/>
           </a:p>
@@ -11105,7 +11106,7 @@
           <a:p>
             <a:fld id="{890399D1-6C1C-4B03-B08C-60A601F2EFBA}" type="datetime1">
               <a:rPr lang="ko-KR" altLang="en-US" smtClean="0"/>
-              <a:t>2019-06-10</a:t>
+              <a:t>2019-06-11</a:t>
             </a:fld>
             <a:endParaRPr lang="en-US"/>
           </a:p>
@@ -11519,7 +11520,7 @@
           <a:p>
             <a:fld id="{A05A85B3-D7AB-4ED4-92E7-BC2AAC4C46C4}" type="datetime1">
               <a:rPr lang="ko-KR" altLang="en-US" smtClean="0"/>
-              <a:t>2019-06-10</a:t>
+              <a:t>2019-06-11</a:t>
             </a:fld>
             <a:endParaRPr lang="en-US"/>
           </a:p>
@@ -11738,7 +11739,7 @@
           <a:p>
             <a:fld id="{FC11DF4A-87B9-4806-B30E-57A4F6A739DC}" type="datetime1">
               <a:rPr lang="ko-KR" altLang="en-US" smtClean="0"/>
-              <a:t>2019-06-10</a:t>
+              <a:t>2019-06-11</a:t>
             </a:fld>
             <a:endParaRPr lang="en-US"/>
           </a:p>
@@ -12378,7 +12379,7 @@
           <a:p>
             <a:fld id="{EAE9C953-F340-4663-A197-CCE7263E45BC}" type="datetime1">
               <a:rPr lang="ko-KR" altLang="en-US" smtClean="0"/>
-              <a:t>2019-06-10</a:t>
+              <a:t>2019-06-11</a:t>
             </a:fld>
             <a:endParaRPr lang="en-US"/>
           </a:p>
@@ -12557,7 +12558,7 @@
           <a:p>
             <a:fld id="{EAE9C953-F340-4663-A197-CCE7263E45BC}" type="datetime1">
               <a:rPr lang="ko-KR" altLang="en-US" smtClean="0"/>
-              <a:t>2019-06-10</a:t>
+              <a:t>2019-06-11</a:t>
             </a:fld>
             <a:endParaRPr lang="en-US"/>
           </a:p>
@@ -12747,7 +12748,7 @@
           <a:p>
             <a:fld id="{EAE9C953-F340-4663-A197-CCE7263E45BC}" type="datetime1">
               <a:rPr lang="ko-KR" altLang="en-US" smtClean="0"/>
-              <a:t>2019-06-10</a:t>
+              <a:t>2019-06-11</a:t>
             </a:fld>
             <a:endParaRPr lang="en-US"/>
           </a:p>
@@ -12966,7 +12967,7 @@
           <a:p>
             <a:fld id="{EAE9C953-F340-4663-A197-CCE7263E45BC}" type="datetime1">
               <a:rPr lang="ko-KR" altLang="en-US" smtClean="0"/>
-              <a:t>2019-06-10</a:t>
+              <a:t>2019-06-11</a:t>
             </a:fld>
             <a:endParaRPr lang="en-US"/>
           </a:p>
@@ -13176,7 +13177,7 @@
           <a:p>
             <a:fld id="{EAE9C953-F340-4663-A197-CCE7263E45BC}" type="datetime1">
               <a:rPr lang="ko-KR" altLang="en-US" smtClean="0"/>
-              <a:t>2019-06-10</a:t>
+              <a:t>2019-06-11</a:t>
             </a:fld>
             <a:endParaRPr lang="en-US"/>
           </a:p>
@@ -13371,7 +13372,7 @@
           <a:p>
             <a:fld id="{EAE9C953-F340-4663-A197-CCE7263E45BC}" type="datetime1">
               <a:rPr lang="ko-KR" altLang="en-US" smtClean="0"/>
-              <a:t>2019-06-10</a:t>
+              <a:t>2019-06-11</a:t>
             </a:fld>
             <a:endParaRPr lang="en-US"/>
           </a:p>
@@ -13558,7 +13559,7 @@
           <a:p>
             <a:fld id="{EAE9C953-F340-4663-A197-CCE7263E45BC}" type="datetime1">
               <a:rPr lang="ko-KR" altLang="en-US" smtClean="0"/>
-              <a:t>2019-06-10</a:t>
+              <a:t>2019-06-11</a:t>
             </a:fld>
             <a:endParaRPr lang="en-US"/>
           </a:p>
@@ -13823,7 +13824,7 @@
           <a:p>
             <a:fld id="{EAE9C953-F340-4663-A197-CCE7263E45BC}" type="datetime1">
               <a:rPr lang="ko-KR" altLang="en-US" smtClean="0"/>
-              <a:t>2019-06-10</a:t>
+              <a:t>2019-06-11</a:t>
             </a:fld>
             <a:endParaRPr lang="en-US"/>
           </a:p>
@@ -13949,8 +13950,16 @@
               <a:t>NAVIO </a:t>
             </a:r>
             <a:r>
+              <a:rPr lang="en-US" smtClean="0"/>
+              <a:t>S/W </a:t>
+            </a:r>
+            <a:r>
               <a:rPr lang="ko-KR" altLang="en-US" smtClean="0"/>
-              <a:t>설정</a:t>
+              <a:t>설</a:t>
+            </a:r>
+            <a:r>
+              <a:rPr lang="ko-KR" altLang="en-US"/>
+              <a:t>치</a:t>
             </a:r>
             <a:endParaRPr lang="en-US"/>
           </a:p>
@@ -13996,7 +14005,7 @@
           <a:p>
             <a:fld id="{CB251830-6212-4CA9-A1A3-4280ABBDDAB8}" type="datetime1">
               <a:rPr lang="ko-KR" altLang="en-US" smtClean="0"/>
-              <a:t>2019-06-10</a:t>
+              <a:t>2019-06-11</a:t>
             </a:fld>
             <a:endParaRPr lang="en-US"/>
           </a:p>
@@ -14160,7 +14169,7 @@
           <a:p>
             <a:fld id="{EAE9C953-F340-4663-A197-CCE7263E45BC}" type="datetime1">
               <a:rPr lang="ko-KR" altLang="en-US" smtClean="0"/>
-              <a:t>2019-06-10</a:t>
+              <a:t>2019-06-11</a:t>
             </a:fld>
             <a:endParaRPr lang="en-US"/>
           </a:p>
@@ -14309,7 +14318,7 @@
           <a:p>
             <a:fld id="{CB251830-6212-4CA9-A1A3-4280ABBDDAB8}" type="datetime1">
               <a:rPr lang="ko-KR" altLang="en-US" smtClean="0"/>
-              <a:t>2019-06-10</a:t>
+              <a:t>2019-06-11</a:t>
             </a:fld>
             <a:endParaRPr lang="en-US"/>
           </a:p>
@@ -14403,6 +14412,268 @@
         </p:nvSpPr>
         <p:spPr/>
         <p:txBody>
+          <a:bodyPr/>
+          <a:lstStyle/>
+          <a:p>
+            <a:endParaRPr lang="en-US"/>
+          </a:p>
+        </p:txBody>
+      </p:sp>
+      <p:sp>
+        <p:nvSpPr>
+          <p:cNvPr id="3" name="내용 개체 틀 2"/>
+          <p:cNvSpPr>
+            <a:spLocks noGrp="1"/>
+          </p:cNvSpPr>
+          <p:nvPr>
+            <p:ph idx="1"/>
+          </p:nvPr>
+        </p:nvSpPr>
+        <p:spPr/>
+        <p:txBody>
+          <a:bodyPr/>
+          <a:lstStyle/>
+          <a:p>
+            <a:r>
+              <a:rPr lang="en-US" smtClean="0"/>
+              <a:t>Wi-Fi </a:t>
+            </a:r>
+            <a:r>
+              <a:rPr lang="ko-KR" altLang="en-US" smtClean="0"/>
+              <a:t>설정</a:t>
+            </a:r>
+            <a:endParaRPr lang="en-US" altLang="ko-KR" smtClean="0"/>
+          </a:p>
+          <a:p>
+            <a:pPr lvl="1"/>
+            <a:r>
+              <a:rPr lang="en-US" smtClean="0"/>
+              <a:t>sudo vi /etc/wpa_supplicant/wpa_supplicant.conf</a:t>
+            </a:r>
+          </a:p>
+          <a:p>
+            <a:pPr marL="914400" lvl="2" indent="0">
+              <a:buNone/>
+            </a:pPr>
+            <a:r>
+              <a:rPr lang="en-US">
+                <a:latin typeface="Consolas" panose="020B0609020204030204" pitchFamily="49" charset="0"/>
+              </a:rPr>
+              <a:t>network</a:t>
+            </a:r>
+            <a:r>
+              <a:rPr lang="en-US">
+                <a:latin typeface="Consolas" panose="020B0609020204030204" pitchFamily="49" charset="0"/>
+              </a:rPr>
+              <a:t>={ </a:t>
+            </a:r>
+            <a:endParaRPr lang="en-US" smtClean="0">
+              <a:latin typeface="Consolas" panose="020B0609020204030204" pitchFamily="49" charset="0"/>
+            </a:endParaRPr>
+          </a:p>
+          <a:p>
+            <a:pPr marL="1371600" lvl="3" indent="0">
+              <a:buNone/>
+            </a:pPr>
+            <a:r>
+              <a:rPr lang="en-US" smtClean="0">
+                <a:latin typeface="Consolas" panose="020B0609020204030204" pitchFamily="49" charset="0"/>
+              </a:rPr>
+              <a:t>ssid</a:t>
+            </a:r>
+            <a:r>
+              <a:rPr lang="en-US">
+                <a:latin typeface="Consolas" panose="020B0609020204030204" pitchFamily="49" charset="0"/>
+              </a:rPr>
+              <a:t>="yourssid</a:t>
+            </a:r>
+            <a:r>
+              <a:rPr lang="en-US">
+                <a:latin typeface="Consolas" panose="020B0609020204030204" pitchFamily="49" charset="0"/>
+              </a:rPr>
+              <a:t>" </a:t>
+            </a:r>
+            <a:endParaRPr lang="en-US" smtClean="0">
+              <a:latin typeface="Consolas" panose="020B0609020204030204" pitchFamily="49" charset="0"/>
+            </a:endParaRPr>
+          </a:p>
+          <a:p>
+            <a:pPr marL="1371600" lvl="3" indent="0">
+              <a:buNone/>
+            </a:pPr>
+            <a:r>
+              <a:rPr lang="en-US" smtClean="0">
+                <a:latin typeface="Consolas" panose="020B0609020204030204" pitchFamily="49" charset="0"/>
+              </a:rPr>
+              <a:t>psk</a:t>
+            </a:r>
+            <a:r>
+              <a:rPr lang="en-US">
+                <a:latin typeface="Consolas" panose="020B0609020204030204" pitchFamily="49" charset="0"/>
+              </a:rPr>
+              <a:t>="</a:t>
+            </a:r>
+            <a:r>
+              <a:rPr lang="en-US">
+                <a:latin typeface="Consolas" panose="020B0609020204030204" pitchFamily="49" charset="0"/>
+              </a:rPr>
+              <a:t>yourpasskey</a:t>
+            </a:r>
+            <a:r>
+              <a:rPr lang="en-US" smtClean="0">
+                <a:latin typeface="Consolas" panose="020B0609020204030204" pitchFamily="49" charset="0"/>
+              </a:rPr>
+              <a:t>" </a:t>
+            </a:r>
+          </a:p>
+          <a:p>
+            <a:pPr marL="914400" lvl="2" indent="0">
+              <a:buNone/>
+            </a:pPr>
+            <a:r>
+              <a:rPr lang="en-US" smtClean="0">
+                <a:latin typeface="Consolas" panose="020B0609020204030204" pitchFamily="49" charset="0"/>
+              </a:rPr>
+              <a:t>}</a:t>
+            </a:r>
+          </a:p>
+          <a:p>
+            <a:r>
+              <a:rPr lang="en-US" smtClean="0"/>
+              <a:t>Expading rootfs</a:t>
+            </a:r>
+          </a:p>
+          <a:p>
+            <a:pPr lvl="1"/>
+            <a:r>
+              <a:rPr lang="en-US"/>
+              <a:t>sudo raspi-config </a:t>
+            </a:r>
+            <a:r>
+              <a:rPr lang="en-US"/>
+              <a:t>--</a:t>
+            </a:r>
+            <a:r>
+              <a:rPr lang="en-US" smtClean="0"/>
+              <a:t>expand-rootfs</a:t>
+            </a:r>
+          </a:p>
+          <a:p>
+            <a:endParaRPr lang="en-US"/>
+          </a:p>
+        </p:txBody>
+      </p:sp>
+      <p:sp>
+        <p:nvSpPr>
+          <p:cNvPr id="4" name="날짜 개체 틀 3"/>
+          <p:cNvSpPr>
+            <a:spLocks noGrp="1"/>
+          </p:cNvSpPr>
+          <p:nvPr>
+            <p:ph type="dt" sz="half" idx="10"/>
+          </p:nvPr>
+        </p:nvSpPr>
+        <p:spPr/>
+        <p:txBody>
+          <a:bodyPr/>
+          <a:lstStyle/>
+          <a:p>
+            <a:fld id="{EAE9C953-F340-4663-A197-CCE7263E45BC}" type="datetime1">
+              <a:rPr lang="ko-KR" altLang="en-US" smtClean="0"/>
+              <a:t>2019-06-11</a:t>
+            </a:fld>
+            <a:endParaRPr lang="en-US"/>
+          </a:p>
+        </p:txBody>
+      </p:sp>
+      <p:sp>
+        <p:nvSpPr>
+          <p:cNvPr id="5" name="바닥글 개체 틀 4"/>
+          <p:cNvSpPr>
+            <a:spLocks noGrp="1"/>
+          </p:cNvSpPr>
+          <p:nvPr>
+            <p:ph type="ftr" sz="quarter" idx="11"/>
+          </p:nvPr>
+        </p:nvSpPr>
+        <p:spPr/>
+        <p:txBody>
+          <a:bodyPr/>
+          <a:lstStyle/>
+          <a:p>
+            <a:r>
+              <a:rPr lang="ko-KR" altLang="en-US" smtClean="0"/>
+              <a:t>리눅스 시스템 프로그래밍</a:t>
+            </a:r>
+            <a:endParaRPr lang="en-US"/>
+          </a:p>
+        </p:txBody>
+      </p:sp>
+      <p:sp>
+        <p:nvSpPr>
+          <p:cNvPr id="6" name="슬라이드 번호 개체 틀 5"/>
+          <p:cNvSpPr>
+            <a:spLocks noGrp="1"/>
+          </p:cNvSpPr>
+          <p:nvPr>
+            <p:ph type="sldNum" sz="quarter" idx="12"/>
+          </p:nvPr>
+        </p:nvSpPr>
+        <p:spPr/>
+        <p:txBody>
+          <a:bodyPr/>
+          <a:lstStyle/>
+          <a:p>
+            <a:fld id="{AA0EB1BB-D2B3-481B-A5E1-F093F8D3CD29}" type="slidenum">
+              <a:rPr lang="en-US" smtClean="0"/>
+              <a:t>20</a:t>
+            </a:fld>
+            <a:endParaRPr lang="en-US"/>
+          </a:p>
+        </p:txBody>
+      </p:sp>
+    </p:spTree>
+    <p:extLst>
+      <p:ext uri="{BB962C8B-B14F-4D97-AF65-F5344CB8AC3E}">
+        <p14:creationId xmlns:p14="http://schemas.microsoft.com/office/powerpoint/2010/main" val="2289060875"/>
+      </p:ext>
+    </p:extLst>
+  </p:cSld>
+  <p:clrMapOvr>
+    <a:masterClrMapping/>
+  </p:clrMapOvr>
+</p:sld>
+</file>
+
+<file path=ppt/slides/slide21.xml><?xml version="1.0" encoding="utf-8"?>
+<p:sld xmlns:a="http://schemas.openxmlformats.org/drawingml/2006/main" xmlns:r="http://schemas.openxmlformats.org/officeDocument/2006/relationships" xmlns:p="http://schemas.openxmlformats.org/presentationml/2006/main">
+  <p:cSld>
+    <p:spTree>
+      <p:nvGrpSpPr>
+        <p:cNvPr id="1" name=""/>
+        <p:cNvGrpSpPr/>
+        <p:nvPr/>
+      </p:nvGrpSpPr>
+      <p:grpSpPr>
+        <a:xfrm>
+          <a:off x="0" y="0"/>
+          <a:ext cx="0" cy="0"/>
+          <a:chOff x="0" y="0"/>
+          <a:chExt cx="0" cy="0"/>
+        </a:xfrm>
+      </p:grpSpPr>
+      <p:sp>
+        <p:nvSpPr>
+          <p:cNvPr id="2" name="제목 1"/>
+          <p:cNvSpPr>
+            <a:spLocks noGrp="1"/>
+          </p:cNvSpPr>
+          <p:nvPr>
+            <p:ph type="title"/>
+          </p:nvPr>
+        </p:nvSpPr>
+        <p:spPr/>
+        <p:txBody>
           <a:bodyPr>
             <a:normAutofit/>
           </a:bodyPr>
@@ -14489,7 +14760,7 @@
           <a:p>
             <a:fld id="{EAE9C953-F340-4663-A197-CCE7263E45BC}" type="datetime1">
               <a:rPr lang="ko-KR" altLang="en-US" smtClean="0"/>
-              <a:t>2019-06-10</a:t>
+              <a:t>2019-06-11</a:t>
             </a:fld>
             <a:endParaRPr lang="en-US"/>
           </a:p>
@@ -14535,7 +14806,7 @@
           <a:p>
             <a:fld id="{AA0EB1BB-D2B3-481B-A5E1-F093F8D3CD29}" type="slidenum">
               <a:rPr lang="en-US" smtClean="0"/>
-              <a:t>20</a:t>
+              <a:t>21</a:t>
             </a:fld>
             <a:endParaRPr lang="en-US"/>
           </a:p>
@@ -14585,155 +14856,6 @@
 </p:sld>
 </file>
 
-<file path=ppt/slides/slide21.xml><?xml version="1.0" encoding="utf-8"?>
-<p:sld xmlns:a="http://schemas.openxmlformats.org/drawingml/2006/main" xmlns:r="http://schemas.openxmlformats.org/officeDocument/2006/relationships" xmlns:p="http://schemas.openxmlformats.org/presentationml/2006/main">
-  <p:cSld>
-    <p:spTree>
-      <p:nvGrpSpPr>
-        <p:cNvPr id="1" name=""/>
-        <p:cNvGrpSpPr/>
-        <p:nvPr/>
-      </p:nvGrpSpPr>
-      <p:grpSpPr>
-        <a:xfrm>
-          <a:off x="0" y="0"/>
-          <a:ext cx="0" cy="0"/>
-          <a:chOff x="0" y="0"/>
-          <a:chExt cx="0" cy="0"/>
-        </a:xfrm>
-      </p:grpSpPr>
-      <p:sp>
-        <p:nvSpPr>
-          <p:cNvPr id="2" name="제목 1"/>
-          <p:cNvSpPr>
-            <a:spLocks noGrp="1"/>
-          </p:cNvSpPr>
-          <p:nvPr>
-            <p:ph type="title"/>
-          </p:nvPr>
-        </p:nvSpPr>
-        <p:spPr/>
-        <p:txBody>
-          <a:bodyPr/>
-          <a:lstStyle/>
-          <a:p>
-            <a:r>
-              <a:rPr lang="en-US">
-                <a:solidFill>
-                  <a:schemeClr val="dk1"/>
-                </a:solidFill>
-              </a:rPr>
-              <a:t>GT-R530 NX</a:t>
-            </a:r>
-            <a:endParaRPr lang="en-US"/>
-          </a:p>
-        </p:txBody>
-      </p:sp>
-      <p:sp>
-        <p:nvSpPr>
-          <p:cNvPr id="3" name="텍스트 개체 틀 2"/>
-          <p:cNvSpPr>
-            <a:spLocks noGrp="1"/>
-          </p:cNvSpPr>
-          <p:nvPr>
-            <p:ph type="body" idx="1"/>
-          </p:nvPr>
-        </p:nvSpPr>
-        <p:spPr/>
-        <p:txBody>
-          <a:bodyPr/>
-          <a:lstStyle/>
-          <a:p>
-            <a:r>
-              <a:rPr lang="en-US" altLang="ko-KR" smtClean="0"/>
-              <a:t> </a:t>
-            </a:r>
-            <a:endParaRPr lang="en-US"/>
-          </a:p>
-        </p:txBody>
-      </p:sp>
-      <p:sp>
-        <p:nvSpPr>
-          <p:cNvPr id="4" name="날짜 개체 틀 3"/>
-          <p:cNvSpPr>
-            <a:spLocks noGrp="1"/>
-          </p:cNvSpPr>
-          <p:nvPr>
-            <p:ph type="dt" sz="half" idx="10"/>
-          </p:nvPr>
-        </p:nvSpPr>
-        <p:spPr/>
-        <p:txBody>
-          <a:bodyPr/>
-          <a:lstStyle/>
-          <a:p>
-            <a:fld id="{CB251830-6212-4CA9-A1A3-4280ABBDDAB8}" type="datetime1">
-              <a:rPr lang="ko-KR" altLang="en-US" smtClean="0"/>
-              <a:t>2019-06-10</a:t>
-            </a:fld>
-            <a:endParaRPr lang="en-US"/>
-          </a:p>
-        </p:txBody>
-      </p:sp>
-      <p:sp>
-        <p:nvSpPr>
-          <p:cNvPr id="5" name="바닥글 개체 틀 4"/>
-          <p:cNvSpPr>
-            <a:spLocks noGrp="1"/>
-          </p:cNvSpPr>
-          <p:nvPr>
-            <p:ph type="ftr" sz="quarter" idx="11"/>
-          </p:nvPr>
-        </p:nvSpPr>
-        <p:spPr/>
-        <p:txBody>
-          <a:bodyPr/>
-          <a:lstStyle/>
-          <a:p>
-            <a:r>
-              <a:rPr lang="ko-KR" altLang="en-US" smtClean="0"/>
-              <a:t>리눅스 시스템 프로그래밍</a:t>
-            </a:r>
-            <a:endParaRPr lang="en-US"/>
-          </a:p>
-        </p:txBody>
-      </p:sp>
-      <p:sp>
-        <p:nvSpPr>
-          <p:cNvPr id="6" name="슬라이드 번호 개체 틀 5"/>
-          <p:cNvSpPr>
-            <a:spLocks noGrp="1"/>
-          </p:cNvSpPr>
-          <p:nvPr>
-            <p:ph type="sldNum" sz="quarter" idx="12"/>
-          </p:nvPr>
-        </p:nvSpPr>
-        <p:spPr/>
-        <p:txBody>
-          <a:bodyPr/>
-          <a:lstStyle/>
-          <a:p>
-            <a:fld id="{AA0EB1BB-D2B3-481B-A5E1-F093F8D3CD29}" type="slidenum">
-              <a:rPr lang="en-US" smtClean="0"/>
-              <a:t>21</a:t>
-            </a:fld>
-            <a:endParaRPr lang="en-US"/>
-          </a:p>
-        </p:txBody>
-      </p:sp>
-    </p:spTree>
-    <p:extLst>
-      <p:ext uri="{BB962C8B-B14F-4D97-AF65-F5344CB8AC3E}">
-        <p14:creationId xmlns:p14="http://schemas.microsoft.com/office/powerpoint/2010/main" val="3373334001"/>
-      </p:ext>
-    </p:extLst>
-  </p:cSld>
-  <p:clrMapOvr>
-    <a:masterClrMapping/>
-  </p:clrMapOvr>
-</p:sld>
-</file>
-
 <file path=ppt/slides/slide22.xml><?xml version="1.0" encoding="utf-8"?>
 <p:sld xmlns:a="http://schemas.openxmlformats.org/drawingml/2006/main" xmlns:r="http://schemas.openxmlformats.org/officeDocument/2006/relationships" xmlns:p="http://schemas.openxmlformats.org/presentationml/2006/main">
   <p:cSld>
@@ -14767,6 +14889,155 @@
           <a:lstStyle/>
           <a:p>
             <a:r>
+              <a:rPr lang="en-US">
+                <a:solidFill>
+                  <a:schemeClr val="dk1"/>
+                </a:solidFill>
+              </a:rPr>
+              <a:t>GT-R530 NX</a:t>
+            </a:r>
+            <a:endParaRPr lang="en-US"/>
+          </a:p>
+        </p:txBody>
+      </p:sp>
+      <p:sp>
+        <p:nvSpPr>
+          <p:cNvPr id="3" name="텍스트 개체 틀 2"/>
+          <p:cNvSpPr>
+            <a:spLocks noGrp="1"/>
+          </p:cNvSpPr>
+          <p:nvPr>
+            <p:ph type="body" idx="1"/>
+          </p:nvPr>
+        </p:nvSpPr>
+        <p:spPr/>
+        <p:txBody>
+          <a:bodyPr/>
+          <a:lstStyle/>
+          <a:p>
+            <a:r>
+              <a:rPr lang="en-US" altLang="ko-KR" smtClean="0"/>
+              <a:t> </a:t>
+            </a:r>
+            <a:endParaRPr lang="en-US"/>
+          </a:p>
+        </p:txBody>
+      </p:sp>
+      <p:sp>
+        <p:nvSpPr>
+          <p:cNvPr id="4" name="날짜 개체 틀 3"/>
+          <p:cNvSpPr>
+            <a:spLocks noGrp="1"/>
+          </p:cNvSpPr>
+          <p:nvPr>
+            <p:ph type="dt" sz="half" idx="10"/>
+          </p:nvPr>
+        </p:nvSpPr>
+        <p:spPr/>
+        <p:txBody>
+          <a:bodyPr/>
+          <a:lstStyle/>
+          <a:p>
+            <a:fld id="{CB251830-6212-4CA9-A1A3-4280ABBDDAB8}" type="datetime1">
+              <a:rPr lang="ko-KR" altLang="en-US" smtClean="0"/>
+              <a:t>2019-06-11</a:t>
+            </a:fld>
+            <a:endParaRPr lang="en-US"/>
+          </a:p>
+        </p:txBody>
+      </p:sp>
+      <p:sp>
+        <p:nvSpPr>
+          <p:cNvPr id="5" name="바닥글 개체 틀 4"/>
+          <p:cNvSpPr>
+            <a:spLocks noGrp="1"/>
+          </p:cNvSpPr>
+          <p:nvPr>
+            <p:ph type="ftr" sz="quarter" idx="11"/>
+          </p:nvPr>
+        </p:nvSpPr>
+        <p:spPr/>
+        <p:txBody>
+          <a:bodyPr/>
+          <a:lstStyle/>
+          <a:p>
+            <a:r>
+              <a:rPr lang="ko-KR" altLang="en-US" smtClean="0"/>
+              <a:t>리눅스 시스템 프로그래밍</a:t>
+            </a:r>
+            <a:endParaRPr lang="en-US"/>
+          </a:p>
+        </p:txBody>
+      </p:sp>
+      <p:sp>
+        <p:nvSpPr>
+          <p:cNvPr id="6" name="슬라이드 번호 개체 틀 5"/>
+          <p:cNvSpPr>
+            <a:spLocks noGrp="1"/>
+          </p:cNvSpPr>
+          <p:nvPr>
+            <p:ph type="sldNum" sz="quarter" idx="12"/>
+          </p:nvPr>
+        </p:nvSpPr>
+        <p:spPr/>
+        <p:txBody>
+          <a:bodyPr/>
+          <a:lstStyle/>
+          <a:p>
+            <a:fld id="{AA0EB1BB-D2B3-481B-A5E1-F093F8D3CD29}" type="slidenum">
+              <a:rPr lang="en-US" smtClean="0"/>
+              <a:t>22</a:t>
+            </a:fld>
+            <a:endParaRPr lang="en-US"/>
+          </a:p>
+        </p:txBody>
+      </p:sp>
+    </p:spTree>
+    <p:extLst>
+      <p:ext uri="{BB962C8B-B14F-4D97-AF65-F5344CB8AC3E}">
+        <p14:creationId xmlns:p14="http://schemas.microsoft.com/office/powerpoint/2010/main" val="3373334001"/>
+      </p:ext>
+    </p:extLst>
+  </p:cSld>
+  <p:clrMapOvr>
+    <a:masterClrMapping/>
+  </p:clrMapOvr>
+</p:sld>
+</file>
+
+<file path=ppt/slides/slide23.xml><?xml version="1.0" encoding="utf-8"?>
+<p:sld xmlns:a="http://schemas.openxmlformats.org/drawingml/2006/main" xmlns:r="http://schemas.openxmlformats.org/officeDocument/2006/relationships" xmlns:p="http://schemas.openxmlformats.org/presentationml/2006/main">
+  <p:cSld>
+    <p:spTree>
+      <p:nvGrpSpPr>
+        <p:cNvPr id="1" name=""/>
+        <p:cNvGrpSpPr/>
+        <p:nvPr/>
+      </p:nvGrpSpPr>
+      <p:grpSpPr>
+        <a:xfrm>
+          <a:off x="0" y="0"/>
+          <a:ext cx="0" cy="0"/>
+          <a:chOff x="0" y="0"/>
+          <a:chExt cx="0" cy="0"/>
+        </a:xfrm>
+      </p:grpSpPr>
+      <p:sp>
+        <p:nvSpPr>
+          <p:cNvPr id="2" name="제목 1"/>
+          <p:cNvSpPr>
+            <a:spLocks noGrp="1"/>
+          </p:cNvSpPr>
+          <p:nvPr>
+            <p:ph type="title"/>
+          </p:nvPr>
+        </p:nvSpPr>
+        <p:spPr/>
+        <p:txBody>
+          <a:bodyPr/>
+          <a:lstStyle/>
+          <a:p>
+            <a:r>
               <a:rPr lang="en-US" smtClean="0">
                 <a:solidFill>
                   <a:schemeClr val="dk1"/>
@@ -15067,7 +15338,7 @@
           <a:p>
             <a:fld id="{EAE9C953-F340-4663-A197-CCE7263E45BC}" type="datetime1">
               <a:rPr lang="ko-KR" altLang="en-US" smtClean="0"/>
-              <a:t>2019-06-10</a:t>
+              <a:t>2019-06-11</a:t>
             </a:fld>
             <a:endParaRPr lang="en-US"/>
           </a:p>
@@ -15113,7 +15384,7 @@
           <a:p>
             <a:fld id="{AA0EB1BB-D2B3-481B-A5E1-F093F8D3CD29}" type="slidenum">
               <a:rPr lang="en-US" smtClean="0"/>
-              <a:t>22</a:t>
+              <a:t>23</a:t>
             </a:fld>
             <a:endParaRPr lang="en-US"/>
           </a:p>
@@ -15159,7 +15430,7 @@
 </p:sld>
 </file>
 
-<file path=ppt/slides/slide23.xml><?xml version="1.0" encoding="utf-8"?>
+<file path=ppt/slides/slide24.xml><?xml version="1.0" encoding="utf-8"?>
 <p:sld xmlns:a="http://schemas.openxmlformats.org/drawingml/2006/main" xmlns:r="http://schemas.openxmlformats.org/officeDocument/2006/relationships" xmlns:p="http://schemas.openxmlformats.org/presentationml/2006/main">
   <p:cSld>
     <p:spTree>
@@ -15366,7 +15637,7 @@
             </a:pPr>
             <a:fld id="{00000000-1234-1234-1234-123412341234}" type="slidenum">
               <a:rPr lang="en-US"/>
-              <a:t>23</a:t>
+              <a:t>24</a:t>
             </a:fld>
             <a:endParaRPr/>
           </a:p>
@@ -16304,7 +16575,7 @@
 </p:sld>
 </file>
 
-<file path=ppt/slides/slide24.xml><?xml version="1.0" encoding="utf-8"?>
+<file path=ppt/slides/slide25.xml><?xml version="1.0" encoding="utf-8"?>
 <p:sld xmlns:a="http://schemas.openxmlformats.org/drawingml/2006/main" xmlns:r="http://schemas.openxmlformats.org/officeDocument/2006/relationships" xmlns:p="http://schemas.openxmlformats.org/presentationml/2006/main">
   <p:cSld>
     <p:spTree>
@@ -16507,7 +16778,7 @@
             </a:pPr>
             <a:fld id="{00000000-1234-1234-1234-123412341234}" type="slidenum">
               <a:rPr lang="en-US"/>
-              <a:t>24</a:t>
+              <a:t>25</a:t>
             </a:fld>
             <a:endParaRPr/>
           </a:p>
@@ -16929,7 +17200,7 @@
 </p:sld>
 </file>
 
-<file path=ppt/slides/slide25.xml><?xml version="1.0" encoding="utf-8"?>
+<file path=ppt/slides/slide26.xml><?xml version="1.0" encoding="utf-8"?>
 <p:sld xmlns:a="http://schemas.openxmlformats.org/drawingml/2006/main" xmlns:r="http://schemas.openxmlformats.org/officeDocument/2006/relationships" xmlns:p="http://schemas.openxmlformats.org/presentationml/2006/main">
   <p:cSld>
     <p:spTree>
@@ -17190,7 +17461,7 @@
             </a:pPr>
             <a:fld id="{00000000-1234-1234-1234-123412341234}" type="slidenum">
               <a:rPr lang="en-US"/>
-              <a:t>25</a:t>
+              <a:t>26</a:t>
             </a:fld>
             <a:endParaRPr/>
           </a:p>
@@ -17209,7 +17480,7 @@
 </p:sld>
 </file>
 
-<file path=ppt/slides/slide26.xml><?xml version="1.0" encoding="utf-8"?>
+<file path=ppt/slides/slide27.xml><?xml version="1.0" encoding="utf-8"?>
 <p:sld xmlns:a="http://schemas.openxmlformats.org/drawingml/2006/main" xmlns:r="http://schemas.openxmlformats.org/officeDocument/2006/relationships" xmlns:p="http://schemas.openxmlformats.org/presentationml/2006/main">
   <p:cSld>
     <p:spTree>
@@ -17276,7 +17547,7 @@
           <a:p>
             <a:fld id="{AA0EB1BB-D2B3-481B-A5E1-F093F8D3CD29}" type="slidenum">
               <a:rPr lang="en-US" smtClean="0"/>
-              <a:t>26</a:t>
+              <a:t>27</a:t>
             </a:fld>
             <a:endParaRPr lang="en-US"/>
           </a:p>
@@ -17299,7 +17570,7 @@
           <a:p>
             <a:fld id="{93A792C4-C320-43A2-8ECE-CE47FEC71D10}" type="datetime1">
               <a:rPr lang="ko-KR" altLang="en-US" smtClean="0"/>
-              <a:t>2019-06-10</a:t>
+              <a:t>2019-06-11</a:t>
             </a:fld>
             <a:endParaRPr lang="en-US"/>
           </a:p>
@@ -17563,7 +17834,7 @@
           <a:p>
             <a:fld id="{EAE9C953-F340-4663-A197-CCE7263E45BC}" type="datetime1">
               <a:rPr lang="ko-KR" altLang="en-US" smtClean="0"/>
-              <a:t>2019-06-10</a:t>
+              <a:t>2019-06-11</a:t>
             </a:fld>
             <a:endParaRPr lang="en-US"/>
           </a:p>
@@ -17895,7 +18166,7 @@
           <a:p>
             <a:fld id="{EAE9C953-F340-4663-A197-CCE7263E45BC}" type="datetime1">
               <a:rPr lang="ko-KR" altLang="en-US" smtClean="0"/>
-              <a:t>2019-06-10</a:t>
+              <a:t>2019-06-11</a:t>
             </a:fld>
             <a:endParaRPr lang="en-US"/>
           </a:p>
@@ -18114,7 +18385,7 @@
           <a:p>
             <a:fld id="{EAE9C953-F340-4663-A197-CCE7263E45BC}" type="datetime1">
               <a:rPr lang="ko-KR" altLang="en-US" smtClean="0"/>
-              <a:t>2019-06-10</a:t>
+              <a:t>2019-06-11</a:t>
             </a:fld>
             <a:endParaRPr lang="en-US"/>
           </a:p>
@@ -18305,6 +18576,10 @@
               <a:t>NAVIO </a:t>
             </a:r>
             <a:r>
+              <a:rPr lang="en-US" smtClean="0"/>
+              <a:t>H/W </a:t>
+            </a:r>
+            <a:r>
               <a:rPr lang="ko-KR" altLang="en-US" smtClean="0"/>
               <a:t>조립</a:t>
             </a:r>
@@ -18352,7 +18627,7 @@
           <a:p>
             <a:fld id="{CB251830-6212-4CA9-A1A3-4280ABBDDAB8}" type="datetime1">
               <a:rPr lang="ko-KR" altLang="en-US" smtClean="0"/>
-              <a:t>2019-06-10</a:t>
+              <a:t>2019-06-11</a:t>
             </a:fld>
             <a:endParaRPr lang="en-US"/>
           </a:p>
@@ -18845,7 +19120,7 @@
           <a:p>
             <a:fld id="{EAE9C953-F340-4663-A197-CCE7263E45BC}" type="datetime1">
               <a:rPr lang="ko-KR" altLang="en-US" smtClean="0"/>
-              <a:t>2019-06-10</a:t>
+              <a:t>2019-06-11</a:t>
             </a:fld>
             <a:endParaRPr lang="en-US"/>
           </a:p>
@@ -19040,7 +19315,7 @@
           <a:p>
             <a:fld id="{EAE9C953-F340-4663-A197-CCE7263E45BC}" type="datetime1">
               <a:rPr lang="ko-KR" altLang="en-US" smtClean="0"/>
-              <a:t>2019-06-10</a:t>
+              <a:t>2019-06-11</a:t>
             </a:fld>
             <a:endParaRPr lang="en-US"/>
           </a:p>
